--- a/React.pptx
+++ b/React.pptx
@@ -5,7 +5,7 @@
     <p:sldMasterId id="2147483660" r:id="rId1"/>
   </p:sldMasterIdLst>
   <p:notesMasterIdLst>
-    <p:notesMasterId r:id="rId27"/>
+    <p:notesMasterId r:id="rId28"/>
   </p:notesMasterIdLst>
   <p:sldIdLst>
     <p:sldId id="305" r:id="rId2"/>
@@ -19,20 +19,21 @@
     <p:sldId id="287" r:id="rId10"/>
     <p:sldId id="292" r:id="rId11"/>
     <p:sldId id="284" r:id="rId12"/>
-    <p:sldId id="302" r:id="rId13"/>
-    <p:sldId id="307" r:id="rId14"/>
-    <p:sldId id="273" r:id="rId15"/>
-    <p:sldId id="263" r:id="rId16"/>
-    <p:sldId id="294" r:id="rId17"/>
-    <p:sldId id="301" r:id="rId18"/>
-    <p:sldId id="288" r:id="rId19"/>
-    <p:sldId id="289" r:id="rId20"/>
-    <p:sldId id="303" r:id="rId21"/>
-    <p:sldId id="274" r:id="rId22"/>
-    <p:sldId id="275" r:id="rId23"/>
-    <p:sldId id="276" r:id="rId24"/>
-    <p:sldId id="277" r:id="rId25"/>
-    <p:sldId id="282" r:id="rId26"/>
+    <p:sldId id="308" r:id="rId13"/>
+    <p:sldId id="302" r:id="rId14"/>
+    <p:sldId id="307" r:id="rId15"/>
+    <p:sldId id="273" r:id="rId16"/>
+    <p:sldId id="263" r:id="rId17"/>
+    <p:sldId id="294" r:id="rId18"/>
+    <p:sldId id="301" r:id="rId19"/>
+    <p:sldId id="288" r:id="rId20"/>
+    <p:sldId id="289" r:id="rId21"/>
+    <p:sldId id="303" r:id="rId22"/>
+    <p:sldId id="274" r:id="rId23"/>
+    <p:sldId id="275" r:id="rId24"/>
+    <p:sldId id="276" r:id="rId25"/>
+    <p:sldId id="277" r:id="rId26"/>
+    <p:sldId id="282" r:id="rId27"/>
   </p:sldIdLst>
   <p:sldSz cx="13004800" cy="9753600"/>
   <p:notesSz cx="6858000" cy="9144000"/>
@@ -12336,10 +12337,10 @@
           <a:lstStyle/>
           <a:p>
             <a:r>
-              <a:rPr lang="en-US" sz="7200" dirty="0" err="1" smtClean="0"/>
-              <a:t>BookSearchComponent</a:t>
-            </a:r>
-            <a:endParaRPr lang="en-US" sz="7200" dirty="0"/>
+              <a:rPr lang="en-US" dirty="0" smtClean="0"/>
+              <a:t>Promise Syntax</a:t>
+            </a:r>
+            <a:endParaRPr lang="en-US" dirty="0"/>
           </a:p>
         </p:txBody>
       </p:sp>
@@ -12353,401 +12354,110 @@
             <p:ph type="body" idx="1"/>
           </p:nvPr>
         </p:nvSpPr>
-        <p:spPr>
-          <a:xfrm>
-            <a:off x="2111828" y="2412999"/>
-            <a:ext cx="11099799" cy="6286499"/>
-          </a:xfrm>
-        </p:spPr>
+        <p:spPr/>
         <p:txBody>
           <a:bodyPr/>
           <a:lstStyle/>
           <a:p>
-            <a:pPr marL="180975" indent="0">
-              <a:spcBef>
-                <a:spcPts val="600"/>
-              </a:spcBef>
+            <a:pPr marL="180975" indent="0" algn="ctr">
               <a:buNone/>
             </a:pPr>
             <a:r>
-              <a:rPr lang="en-US" sz="2000" dirty="0" smtClean="0"/>
-              <a:t>export </a:t>
-            </a:r>
-            <a:r>
-              <a:rPr lang="en-US" sz="2000" dirty="0"/>
-              <a:t>class </a:t>
-            </a:r>
-            <a:r>
-              <a:rPr lang="en-US" sz="2000" b="1" dirty="0" err="1"/>
-              <a:t>BookSearch</a:t>
-            </a:r>
-            <a:r>
-              <a:rPr lang="en-US" sz="2000" dirty="0"/>
-              <a:t> extends </a:t>
-            </a:r>
-            <a:r>
-              <a:rPr lang="en-US" sz="2000" dirty="0" err="1" smtClean="0"/>
-              <a:t>React.Component</a:t>
-            </a:r>
-            <a:r>
-              <a:rPr lang="en-US" sz="2000" dirty="0" smtClean="0"/>
-              <a:t> </a:t>
-            </a:r>
-            <a:r>
-              <a:rPr lang="en-US" sz="2000" dirty="0"/>
-              <a:t>{</a:t>
-            </a:r>
-          </a:p>
-          <a:p>
-            <a:pPr marL="180975" indent="0">
-              <a:spcBef>
-                <a:spcPts val="600"/>
-              </a:spcBef>
+              <a:rPr lang="nl-NL" sz="4000" dirty="0" err="1"/>
+              <a:t>Service</a:t>
+            </a:r>
+            <a:r>
+              <a:rPr lang="nl-NL" sz="4000" b="1" dirty="0" err="1"/>
+              <a:t>.get</a:t>
+            </a:r>
+            <a:r>
+              <a:rPr lang="nl-NL" sz="4000" b="1" dirty="0" smtClean="0"/>
+              <a:t>()</a:t>
+            </a:r>
+            <a:endParaRPr lang="nl-NL" sz="4000" b="1" dirty="0"/>
+          </a:p>
+          <a:p>
+            <a:pPr marL="180975" indent="0" algn="ctr">
               <a:buNone/>
             </a:pPr>
             <a:r>
-              <a:rPr lang="en-US" sz="2000" dirty="0"/>
-              <a:t/>
-            </a:r>
-            <a:br>
-              <a:rPr lang="en-US" sz="2000" dirty="0"/>
-            </a:br>
-            <a:r>
-              <a:rPr lang="en-US" sz="2000" dirty="0"/>
-              <a:t>constructor(props){</a:t>
-            </a:r>
-          </a:p>
-          <a:p>
-            <a:pPr marL="180975" indent="0">
-              <a:spcBef>
-                <a:spcPts val="600"/>
-              </a:spcBef>
+              <a:rPr lang="nl-NL" sz="4000" b="1" dirty="0"/>
+              <a:t>.</a:t>
+            </a:r>
+            <a:r>
+              <a:rPr lang="nl-NL" sz="4000" b="1" dirty="0" err="1"/>
+              <a:t>then</a:t>
+            </a:r>
+            <a:r>
+              <a:rPr lang="nl-NL" sz="4000" dirty="0"/>
+              <a:t>(x </a:t>
+            </a:r>
+            <a:r>
+              <a:rPr lang="nl-NL" sz="4000" dirty="0">
+                <a:sym typeface="Wingdings"/>
+              </a:rPr>
+              <a:t>=&gt; </a:t>
+            </a:r>
+            <a:r>
+              <a:rPr lang="nl-NL" sz="4000" dirty="0" err="1">
+                <a:sym typeface="Wingdings"/>
+              </a:rPr>
+              <a:t>console.log</a:t>
+            </a:r>
+            <a:r>
+              <a:rPr lang="nl-NL" sz="4000">
+                <a:sym typeface="Wingdings"/>
+              </a:rPr>
+              <a:t>(x</a:t>
+            </a:r>
+            <a:r>
+              <a:rPr lang="nl-NL" sz="4000" smtClean="0">
+                <a:sym typeface="Wingdings"/>
+              </a:rPr>
+              <a:t>)</a:t>
+            </a:r>
+            <a:r>
+              <a:rPr lang="nl-NL" sz="4000" smtClean="0"/>
+              <a:t>)</a:t>
+            </a:r>
+            <a:endParaRPr lang="nl-NL" sz="4000" dirty="0"/>
+          </a:p>
+          <a:p>
+            <a:pPr marL="180975" indent="0" algn="ctr">
               <a:buNone/>
             </a:pPr>
             <a:r>
-              <a:rPr lang="en-US" sz="2000" dirty="0" smtClean="0"/>
-              <a:t>	super(props</a:t>
-            </a:r>
-            <a:r>
-              <a:rPr lang="en-US" sz="2000" dirty="0"/>
-              <a:t>);</a:t>
-            </a:r>
-          </a:p>
-          <a:p>
-            <a:pPr marL="180975" indent="0">
-              <a:spcBef>
-                <a:spcPts val="600"/>
-              </a:spcBef>
-              <a:buNone/>
-            </a:pPr>
-            <a:r>
-              <a:rPr lang="en-US" sz="2000" dirty="0" smtClean="0"/>
-              <a:t>	</a:t>
-            </a:r>
-            <a:r>
-              <a:rPr lang="en-US" sz="2000" b="1" dirty="0" err="1" smtClean="0">
-                <a:solidFill>
-                  <a:srgbClr val="FF0000"/>
-                </a:solidFill>
-              </a:rPr>
-              <a:t>this.state</a:t>
-            </a:r>
-            <a:r>
-              <a:rPr lang="en-US" sz="2000" b="1" dirty="0" smtClean="0">
-                <a:solidFill>
-                  <a:srgbClr val="FF0000"/>
-                </a:solidFill>
-              </a:rPr>
-              <a:t> </a:t>
-            </a:r>
-            <a:r>
-              <a:rPr lang="en-US" sz="2000" b="1" dirty="0">
-                <a:solidFill>
-                  <a:srgbClr val="FF0000"/>
-                </a:solidFill>
-              </a:rPr>
-              <a:t>= {</a:t>
-            </a:r>
-          </a:p>
-          <a:p>
-            <a:pPr marL="180975" indent="0">
-              <a:spcBef>
-                <a:spcPts val="600"/>
-              </a:spcBef>
-              <a:buNone/>
-            </a:pPr>
-            <a:r>
-              <a:rPr lang="en-US" sz="2000" dirty="0" smtClean="0"/>
-              <a:t>		books</a:t>
-            </a:r>
-            <a:r>
-              <a:rPr lang="en-US" sz="2000" dirty="0"/>
-              <a:t>: [],</a:t>
-            </a:r>
-          </a:p>
-          <a:p>
-            <a:pPr marL="180975" indent="0">
-              <a:spcBef>
-                <a:spcPts val="600"/>
-              </a:spcBef>
-              <a:buNone/>
-            </a:pPr>
-            <a:r>
-              <a:rPr lang="en-US" sz="2000" dirty="0" smtClean="0"/>
-              <a:t>	</a:t>
-            </a:r>
-            <a:r>
-              <a:rPr lang="en-US" sz="2000" b="1" dirty="0" smtClean="0">
-                <a:solidFill>
-                  <a:srgbClr val="FF0000"/>
-                </a:solidFill>
-              </a:rPr>
-              <a:t>}</a:t>
-            </a:r>
-            <a:endParaRPr lang="en-US" sz="2000" b="1" dirty="0">
-              <a:solidFill>
-                <a:srgbClr val="FF0000"/>
-              </a:solidFill>
-            </a:endParaRPr>
-          </a:p>
-          <a:p>
-            <a:pPr marL="180975" indent="0">
-              <a:spcBef>
-                <a:spcPts val="600"/>
-              </a:spcBef>
-              <a:buNone/>
-            </a:pPr>
-            <a:r>
-              <a:rPr lang="en-US" sz="2000" dirty="0"/>
-              <a:t>}</a:t>
-            </a:r>
-          </a:p>
-          <a:p>
-            <a:pPr marL="180975" indent="0">
-              <a:spcBef>
-                <a:spcPts val="600"/>
-              </a:spcBef>
-              <a:buNone/>
-            </a:pPr>
-            <a:r>
-              <a:rPr lang="en-US" sz="2000" dirty="0"/>
-              <a:t/>
-            </a:r>
-            <a:br>
-              <a:rPr lang="en-US" sz="2000" dirty="0"/>
-            </a:br>
-            <a:r>
-              <a:rPr lang="en-US" sz="2000" dirty="0"/>
-              <a:t>search = (</a:t>
-            </a:r>
-            <a:r>
-              <a:rPr lang="en-US" sz="2000" b="1" dirty="0">
-                <a:solidFill>
-                  <a:srgbClr val="FFC000"/>
-                </a:solidFill>
-              </a:rPr>
-              <a:t>event</a:t>
-            </a:r>
-            <a:r>
-              <a:rPr lang="en-US" sz="2000" dirty="0"/>
-              <a:t>) =&gt; {</a:t>
-            </a:r>
-          </a:p>
-          <a:p>
-            <a:pPr marL="180975" indent="0">
-              <a:spcBef>
-                <a:spcPts val="600"/>
-              </a:spcBef>
-              <a:buNone/>
-            </a:pPr>
-            <a:r>
-              <a:rPr lang="en-US" sz="2000" dirty="0"/>
-              <a:t>	</a:t>
-            </a:r>
-            <a:r>
-              <a:rPr lang="en-US" sz="2000" b="1" dirty="0" err="1" smtClean="0">
-                <a:solidFill>
-                  <a:srgbClr val="FFFF00"/>
-                </a:solidFill>
-              </a:rPr>
-              <a:t>axios.get</a:t>
-            </a:r>
-            <a:r>
-              <a:rPr lang="en-US" sz="2000" dirty="0"/>
-              <a:t>("http://localhost:5000/books/?q=" + </a:t>
-            </a:r>
-            <a:r>
-              <a:rPr lang="en-US" sz="2000" b="1" dirty="0" err="1">
-                <a:solidFill>
-                  <a:srgbClr val="FFC000"/>
-                </a:solidFill>
-              </a:rPr>
-              <a:t>event.target.value</a:t>
-            </a:r>
-            <a:r>
-              <a:rPr lang="en-US" sz="2000" dirty="0" smtClean="0"/>
-              <a:t>)</a:t>
-            </a:r>
-          </a:p>
-          <a:p>
-            <a:pPr marL="180975" indent="0">
-              <a:spcBef>
-                <a:spcPts val="600"/>
-              </a:spcBef>
-              <a:buNone/>
-            </a:pPr>
-            <a:r>
-              <a:rPr lang="en-US" sz="2000" dirty="0"/>
-              <a:t> </a:t>
-            </a:r>
-            <a:r>
-              <a:rPr lang="en-US" sz="2000" dirty="0" smtClean="0"/>
-              <a:t>          </a:t>
-            </a:r>
-            <a:r>
-              <a:rPr lang="en-US" sz="2000" dirty="0" smtClean="0"/>
-              <a:t>.</a:t>
-            </a:r>
-            <a:r>
-              <a:rPr lang="en-US" sz="2000" b="1" dirty="0">
-                <a:solidFill>
-                  <a:srgbClr val="FFFF00"/>
-                </a:solidFill>
-              </a:rPr>
-              <a:t>then</a:t>
-            </a:r>
-            <a:r>
-              <a:rPr lang="en-US" sz="2000" dirty="0"/>
-              <a:t>((response) =&gt; {</a:t>
-            </a:r>
-          </a:p>
-          <a:p>
-            <a:pPr marL="180975" indent="0">
-              <a:spcBef>
-                <a:spcPts val="600"/>
-              </a:spcBef>
-              <a:buNone/>
-            </a:pPr>
-            <a:r>
-              <a:rPr lang="en-US" sz="2000" dirty="0" smtClean="0"/>
-              <a:t>		</a:t>
-            </a:r>
-            <a:r>
-              <a:rPr lang="en-US" sz="2000" b="1" dirty="0" err="1" smtClean="0">
-                <a:solidFill>
-                  <a:srgbClr val="FF0000"/>
-                </a:solidFill>
-              </a:rPr>
-              <a:t>this.setState</a:t>
-            </a:r>
-            <a:r>
-              <a:rPr lang="en-US" sz="2000" b="1" dirty="0">
-                <a:solidFill>
-                  <a:srgbClr val="FF0000"/>
-                </a:solidFill>
-              </a:rPr>
-              <a:t>({</a:t>
-            </a:r>
-          </a:p>
-          <a:p>
-            <a:pPr marL="180975" indent="0">
-              <a:spcBef>
-                <a:spcPts val="600"/>
-              </a:spcBef>
-              <a:buNone/>
-            </a:pPr>
-            <a:r>
-              <a:rPr lang="en-US" sz="2000" dirty="0" smtClean="0"/>
-              <a:t>		     books</a:t>
-            </a:r>
-            <a:r>
-              <a:rPr lang="en-US" sz="2000" dirty="0"/>
-              <a:t>: </a:t>
-            </a:r>
-            <a:r>
-              <a:rPr lang="en-US" sz="2000" dirty="0" err="1"/>
-              <a:t>response.data</a:t>
-            </a:r>
-            <a:endParaRPr lang="en-US" sz="2000" dirty="0"/>
-          </a:p>
-          <a:p>
-            <a:pPr marL="180975" indent="0">
-              <a:spcBef>
-                <a:spcPts val="600"/>
-              </a:spcBef>
-              <a:buNone/>
-            </a:pPr>
-            <a:r>
-              <a:rPr lang="en-US" sz="2000" dirty="0" smtClean="0"/>
-              <a:t>		</a:t>
-            </a:r>
-            <a:r>
-              <a:rPr lang="en-US" sz="2000" b="1" dirty="0" smtClean="0">
-                <a:solidFill>
-                  <a:srgbClr val="FF0000"/>
-                </a:solidFill>
-              </a:rPr>
-              <a:t>})</a:t>
-            </a:r>
-            <a:endParaRPr lang="en-US" sz="2000" b="1" dirty="0">
-              <a:solidFill>
-                <a:srgbClr val="FF0000"/>
-              </a:solidFill>
-            </a:endParaRPr>
-          </a:p>
-          <a:p>
-            <a:pPr marL="180975" indent="0">
-              <a:spcBef>
-                <a:spcPts val="600"/>
-              </a:spcBef>
-              <a:buNone/>
-            </a:pPr>
-            <a:r>
-              <a:rPr lang="en-US" sz="2000" dirty="0" smtClean="0"/>
-              <a:t>	}); </a:t>
-            </a:r>
-            <a:endParaRPr lang="en-US" sz="2000" dirty="0"/>
-          </a:p>
-          <a:p>
-            <a:pPr marL="180975" indent="0">
-              <a:spcBef>
-                <a:spcPts val="600"/>
-              </a:spcBef>
-              <a:buNone/>
-            </a:pPr>
-            <a:r>
-              <a:rPr lang="en-US" sz="2000" dirty="0"/>
-              <a:t>};</a:t>
-            </a:r>
-          </a:p>
-          <a:p>
-            <a:pPr marL="180975" indent="0">
-              <a:spcBef>
-                <a:spcPts val="1200"/>
-              </a:spcBef>
-              <a:buNone/>
-            </a:pPr>
-            <a:endParaRPr lang="en-US" sz="1000" dirty="0"/>
+              <a:rPr lang="nl-NL" sz="4000" b="1" dirty="0"/>
+              <a:t>.catch</a:t>
+            </a:r>
+            <a:r>
+              <a:rPr lang="nl-NL" sz="4000" dirty="0"/>
+              <a:t>(error =&gt; </a:t>
+            </a:r>
+            <a:r>
+              <a:rPr lang="nl-NL" sz="4000" dirty="0" err="1"/>
+              <a:t>console.log</a:t>
+            </a:r>
+            <a:r>
+              <a:rPr lang="nl-NL" sz="4000" dirty="0"/>
+              <a:t>(error))</a:t>
+            </a:r>
+          </a:p>
+          <a:p>
+            <a:endParaRPr lang="en-US" dirty="0"/>
           </a:p>
         </p:txBody>
       </p:sp>
     </p:spTree>
     <p:extLst>
       <p:ext uri="{BB962C8B-B14F-4D97-AF65-F5344CB8AC3E}">
-        <p14:creationId xmlns:p14="http://schemas.microsoft.com/office/powerpoint/2010/main" val="870811587"/>
+        <p14:creationId xmlns:p14="http://schemas.microsoft.com/office/powerpoint/2010/main" val="1984069036"/>
       </p:ext>
     </p:extLst>
   </p:cSld>
   <p:clrMapOvr>
     <a:masterClrMapping/>
   </p:clrMapOvr>
-  <p:timing>
-    <p:tnLst>
-      <p:par>
-        <p:cTn id="1" dur="indefinite" restart="never" nodeType="tmRoot"/>
-      </p:par>
-    </p:tnLst>
-  </p:timing>
 </p:sld>
 </file>
 
@@ -12784,6 +12494,450 @@
           <a:lstStyle/>
           <a:p>
             <a:r>
+              <a:rPr lang="en-US" sz="7200" dirty="0" err="1" smtClean="0"/>
+              <a:t>BookSearchComponent</a:t>
+            </a:r>
+            <a:endParaRPr lang="en-US" sz="7200" dirty="0"/>
+          </a:p>
+        </p:txBody>
+      </p:sp>
+      <p:sp>
+        <p:nvSpPr>
+          <p:cNvPr id="3" name="Text Placeholder 2"/>
+          <p:cNvSpPr>
+            <a:spLocks noGrp="1"/>
+          </p:cNvSpPr>
+          <p:nvPr>
+            <p:ph type="body" idx="1"/>
+          </p:nvPr>
+        </p:nvSpPr>
+        <p:spPr>
+          <a:xfrm>
+            <a:off x="2111828" y="2412999"/>
+            <a:ext cx="11099799" cy="6286499"/>
+          </a:xfrm>
+        </p:spPr>
+        <p:txBody>
+          <a:bodyPr/>
+          <a:lstStyle/>
+          <a:p>
+            <a:pPr marL="180975" indent="0">
+              <a:spcBef>
+                <a:spcPts val="600"/>
+              </a:spcBef>
+              <a:buNone/>
+            </a:pPr>
+            <a:r>
+              <a:rPr lang="en-US" sz="2000" dirty="0" smtClean="0"/>
+              <a:t>export </a:t>
+            </a:r>
+            <a:r>
+              <a:rPr lang="en-US" sz="2000" dirty="0"/>
+              <a:t>class </a:t>
+            </a:r>
+            <a:r>
+              <a:rPr lang="en-US" sz="2000" b="1" dirty="0" err="1"/>
+              <a:t>BookSearch</a:t>
+            </a:r>
+            <a:r>
+              <a:rPr lang="en-US" sz="2000" dirty="0"/>
+              <a:t> extends </a:t>
+            </a:r>
+            <a:r>
+              <a:rPr lang="en-US" sz="2000" dirty="0" err="1" smtClean="0"/>
+              <a:t>React.Component</a:t>
+            </a:r>
+            <a:r>
+              <a:rPr lang="en-US" sz="2000" dirty="0" smtClean="0"/>
+              <a:t> </a:t>
+            </a:r>
+            <a:r>
+              <a:rPr lang="en-US" sz="2000" dirty="0"/>
+              <a:t>{</a:t>
+            </a:r>
+          </a:p>
+          <a:p>
+            <a:pPr marL="180975" indent="0">
+              <a:spcBef>
+                <a:spcPts val="600"/>
+              </a:spcBef>
+              <a:buNone/>
+            </a:pPr>
+            <a:r>
+              <a:rPr lang="en-US" sz="2000" dirty="0"/>
+              <a:t/>
+            </a:r>
+            <a:br>
+              <a:rPr lang="en-US" sz="2000" dirty="0"/>
+            </a:br>
+            <a:r>
+              <a:rPr lang="en-US" sz="2000" dirty="0"/>
+              <a:t>constructor(props){</a:t>
+            </a:r>
+          </a:p>
+          <a:p>
+            <a:pPr marL="180975" indent="0">
+              <a:spcBef>
+                <a:spcPts val="600"/>
+              </a:spcBef>
+              <a:buNone/>
+            </a:pPr>
+            <a:r>
+              <a:rPr lang="en-US" sz="2000" dirty="0" smtClean="0"/>
+              <a:t>	super(props</a:t>
+            </a:r>
+            <a:r>
+              <a:rPr lang="en-US" sz="2000" dirty="0"/>
+              <a:t>);</a:t>
+            </a:r>
+          </a:p>
+          <a:p>
+            <a:pPr marL="180975" indent="0">
+              <a:spcBef>
+                <a:spcPts val="600"/>
+              </a:spcBef>
+              <a:buNone/>
+            </a:pPr>
+            <a:r>
+              <a:rPr lang="en-US" sz="2000" dirty="0" smtClean="0"/>
+              <a:t>	</a:t>
+            </a:r>
+            <a:r>
+              <a:rPr lang="en-US" sz="2000" b="1" dirty="0" err="1" smtClean="0">
+                <a:solidFill>
+                  <a:srgbClr val="FF0000"/>
+                </a:solidFill>
+              </a:rPr>
+              <a:t>this.state</a:t>
+            </a:r>
+            <a:r>
+              <a:rPr lang="en-US" sz="2000" b="1" dirty="0" smtClean="0">
+                <a:solidFill>
+                  <a:srgbClr val="FF0000"/>
+                </a:solidFill>
+              </a:rPr>
+              <a:t> </a:t>
+            </a:r>
+            <a:r>
+              <a:rPr lang="en-US" sz="2000" b="1" dirty="0">
+                <a:solidFill>
+                  <a:srgbClr val="FF0000"/>
+                </a:solidFill>
+              </a:rPr>
+              <a:t>= {</a:t>
+            </a:r>
+          </a:p>
+          <a:p>
+            <a:pPr marL="180975" indent="0">
+              <a:spcBef>
+                <a:spcPts val="600"/>
+              </a:spcBef>
+              <a:buNone/>
+            </a:pPr>
+            <a:r>
+              <a:rPr lang="en-US" sz="2000" dirty="0" smtClean="0"/>
+              <a:t>		books</a:t>
+            </a:r>
+            <a:r>
+              <a:rPr lang="en-US" sz="2000" dirty="0"/>
+              <a:t>: [],</a:t>
+            </a:r>
+          </a:p>
+          <a:p>
+            <a:pPr marL="180975" indent="0">
+              <a:spcBef>
+                <a:spcPts val="600"/>
+              </a:spcBef>
+              <a:buNone/>
+            </a:pPr>
+            <a:r>
+              <a:rPr lang="en-US" sz="2000" dirty="0" smtClean="0"/>
+              <a:t>	</a:t>
+            </a:r>
+            <a:r>
+              <a:rPr lang="en-US" sz="2000" b="1" dirty="0" smtClean="0">
+                <a:solidFill>
+                  <a:srgbClr val="FF0000"/>
+                </a:solidFill>
+              </a:rPr>
+              <a:t>}</a:t>
+            </a:r>
+            <a:endParaRPr lang="en-US" sz="2000" b="1" dirty="0">
+              <a:solidFill>
+                <a:srgbClr val="FF0000"/>
+              </a:solidFill>
+            </a:endParaRPr>
+          </a:p>
+          <a:p>
+            <a:pPr marL="180975" indent="0">
+              <a:spcBef>
+                <a:spcPts val="600"/>
+              </a:spcBef>
+              <a:buNone/>
+            </a:pPr>
+            <a:r>
+              <a:rPr lang="en-US" sz="2000" dirty="0"/>
+              <a:t>}</a:t>
+            </a:r>
+          </a:p>
+          <a:p>
+            <a:pPr marL="180975" indent="0">
+              <a:spcBef>
+                <a:spcPts val="600"/>
+              </a:spcBef>
+              <a:buNone/>
+            </a:pPr>
+            <a:r>
+              <a:rPr lang="en-US" sz="2000" dirty="0"/>
+              <a:t/>
+            </a:r>
+            <a:br>
+              <a:rPr lang="en-US" sz="2000" dirty="0"/>
+            </a:br>
+            <a:r>
+              <a:rPr lang="en-US" sz="2000" dirty="0"/>
+              <a:t>search = (</a:t>
+            </a:r>
+            <a:r>
+              <a:rPr lang="en-US" sz="2000" b="1" dirty="0">
+                <a:solidFill>
+                  <a:srgbClr val="FFC000"/>
+                </a:solidFill>
+              </a:rPr>
+              <a:t>event</a:t>
+            </a:r>
+            <a:r>
+              <a:rPr lang="en-US" sz="2000" dirty="0"/>
+              <a:t>) =&gt; {</a:t>
+            </a:r>
+          </a:p>
+          <a:p>
+            <a:pPr marL="180975" indent="0">
+              <a:spcBef>
+                <a:spcPts val="600"/>
+              </a:spcBef>
+              <a:buNone/>
+            </a:pPr>
+            <a:r>
+              <a:rPr lang="en-US" sz="2000" dirty="0"/>
+              <a:t>	</a:t>
+            </a:r>
+            <a:r>
+              <a:rPr lang="en-US" sz="2000" b="1" dirty="0" err="1" smtClean="0">
+                <a:solidFill>
+                  <a:srgbClr val="FFFF00"/>
+                </a:solidFill>
+              </a:rPr>
+              <a:t>axios.get</a:t>
+            </a:r>
+            <a:r>
+              <a:rPr lang="en-US" sz="2000" dirty="0"/>
+              <a:t>("http://localhost:5000/books/?q=" + </a:t>
+            </a:r>
+            <a:r>
+              <a:rPr lang="en-US" sz="2000" b="1" dirty="0" err="1">
+                <a:solidFill>
+                  <a:srgbClr val="FFC000"/>
+                </a:solidFill>
+              </a:rPr>
+              <a:t>event.target.value</a:t>
+            </a:r>
+            <a:r>
+              <a:rPr lang="en-US" sz="2000" dirty="0" smtClean="0"/>
+              <a:t>)</a:t>
+            </a:r>
+          </a:p>
+          <a:p>
+            <a:pPr marL="180975" indent="0">
+              <a:spcBef>
+                <a:spcPts val="600"/>
+              </a:spcBef>
+              <a:buNone/>
+            </a:pPr>
+            <a:r>
+              <a:rPr lang="en-US" sz="2000" dirty="0"/>
+              <a:t> </a:t>
+            </a:r>
+            <a:r>
+              <a:rPr lang="en-US" sz="2000" dirty="0" smtClean="0"/>
+              <a:t>          .</a:t>
+            </a:r>
+            <a:r>
+              <a:rPr lang="en-US" sz="2000" b="1" dirty="0">
+                <a:solidFill>
+                  <a:srgbClr val="FFFF00"/>
+                </a:solidFill>
+              </a:rPr>
+              <a:t>then</a:t>
+            </a:r>
+            <a:r>
+              <a:rPr lang="en-US" sz="2000" dirty="0"/>
+              <a:t>((response) =&gt; {</a:t>
+            </a:r>
+          </a:p>
+          <a:p>
+            <a:pPr marL="180975" indent="0">
+              <a:spcBef>
+                <a:spcPts val="600"/>
+              </a:spcBef>
+              <a:buNone/>
+            </a:pPr>
+            <a:r>
+              <a:rPr lang="en-US" sz="2000" dirty="0" smtClean="0"/>
+              <a:t>		</a:t>
+            </a:r>
+            <a:r>
+              <a:rPr lang="en-US" sz="2000" b="1" dirty="0" err="1" smtClean="0">
+                <a:solidFill>
+                  <a:srgbClr val="FF0000"/>
+                </a:solidFill>
+              </a:rPr>
+              <a:t>this.setState</a:t>
+            </a:r>
+            <a:r>
+              <a:rPr lang="en-US" sz="2000" b="1" dirty="0">
+                <a:solidFill>
+                  <a:srgbClr val="FF0000"/>
+                </a:solidFill>
+              </a:rPr>
+              <a:t>({</a:t>
+            </a:r>
+          </a:p>
+          <a:p>
+            <a:pPr marL="180975" indent="0">
+              <a:spcBef>
+                <a:spcPts val="600"/>
+              </a:spcBef>
+              <a:buNone/>
+            </a:pPr>
+            <a:r>
+              <a:rPr lang="en-US" sz="2000" dirty="0" smtClean="0"/>
+              <a:t>		     books</a:t>
+            </a:r>
+            <a:r>
+              <a:rPr lang="en-US" sz="2000" dirty="0"/>
+              <a:t>: </a:t>
+            </a:r>
+            <a:r>
+              <a:rPr lang="en-US" sz="2000" dirty="0" err="1"/>
+              <a:t>response.data</a:t>
+            </a:r>
+            <a:endParaRPr lang="en-US" sz="2000" dirty="0"/>
+          </a:p>
+          <a:p>
+            <a:pPr marL="180975" indent="0">
+              <a:spcBef>
+                <a:spcPts val="600"/>
+              </a:spcBef>
+              <a:buNone/>
+            </a:pPr>
+            <a:r>
+              <a:rPr lang="en-US" sz="2000" dirty="0" smtClean="0"/>
+              <a:t>		</a:t>
+            </a:r>
+            <a:r>
+              <a:rPr lang="en-US" sz="2000" b="1" dirty="0" smtClean="0">
+                <a:solidFill>
+                  <a:srgbClr val="FF0000"/>
+                </a:solidFill>
+              </a:rPr>
+              <a:t>})</a:t>
+            </a:r>
+            <a:endParaRPr lang="en-US" sz="2000" b="1" dirty="0">
+              <a:solidFill>
+                <a:srgbClr val="FF0000"/>
+              </a:solidFill>
+            </a:endParaRPr>
+          </a:p>
+          <a:p>
+            <a:pPr marL="180975" indent="0">
+              <a:spcBef>
+                <a:spcPts val="600"/>
+              </a:spcBef>
+              <a:buNone/>
+            </a:pPr>
+            <a:r>
+              <a:rPr lang="en-US" sz="2000" dirty="0" smtClean="0"/>
+              <a:t>	}); </a:t>
+            </a:r>
+            <a:endParaRPr lang="en-US" sz="2000" dirty="0"/>
+          </a:p>
+          <a:p>
+            <a:pPr marL="180975" indent="0">
+              <a:spcBef>
+                <a:spcPts val="600"/>
+              </a:spcBef>
+              <a:buNone/>
+            </a:pPr>
+            <a:r>
+              <a:rPr lang="en-US" sz="2000" dirty="0"/>
+              <a:t>};</a:t>
+            </a:r>
+          </a:p>
+          <a:p>
+            <a:pPr marL="180975" indent="0">
+              <a:spcBef>
+                <a:spcPts val="1200"/>
+              </a:spcBef>
+              <a:buNone/>
+            </a:pPr>
+            <a:endParaRPr lang="en-US" sz="1000" dirty="0"/>
+          </a:p>
+        </p:txBody>
+      </p:sp>
+    </p:spTree>
+    <p:extLst>
+      <p:ext uri="{BB962C8B-B14F-4D97-AF65-F5344CB8AC3E}">
+        <p14:creationId xmlns:p14="http://schemas.microsoft.com/office/powerpoint/2010/main" val="870811587"/>
+      </p:ext>
+    </p:extLst>
+  </p:cSld>
+  <p:clrMapOvr>
+    <a:masterClrMapping/>
+  </p:clrMapOvr>
+  <p:timing>
+    <p:tnLst>
+      <p:par>
+        <p:cTn id="1" dur="indefinite" restart="never" nodeType="tmRoot"/>
+      </p:par>
+    </p:tnLst>
+  </p:timing>
+</p:sld>
+</file>
+
+<file path=ppt/slides/slide14.xml><?xml version="1.0" encoding="utf-8"?>
+<p:sld xmlns:a="http://schemas.openxmlformats.org/drawingml/2006/main" xmlns:r="http://schemas.openxmlformats.org/officeDocument/2006/relationships" xmlns:p="http://schemas.openxmlformats.org/presentationml/2006/main">
+  <p:cSld>
+    <p:spTree>
+      <p:nvGrpSpPr>
+        <p:cNvPr id="1" name=""/>
+        <p:cNvGrpSpPr/>
+        <p:nvPr/>
+      </p:nvGrpSpPr>
+      <p:grpSpPr>
+        <a:xfrm>
+          <a:off x="0" y="0"/>
+          <a:ext cx="0" cy="0"/>
+          <a:chOff x="0" y="0"/>
+          <a:chExt cx="0" cy="0"/>
+        </a:xfrm>
+      </p:grpSpPr>
+      <p:sp>
+        <p:nvSpPr>
+          <p:cNvPr id="2" name="Title 1"/>
+          <p:cNvSpPr>
+            <a:spLocks noGrp="1"/>
+          </p:cNvSpPr>
+          <p:nvPr>
+            <p:ph type="title"/>
+          </p:nvPr>
+        </p:nvSpPr>
+        <p:spPr/>
+        <p:txBody>
+          <a:bodyPr/>
+          <a:lstStyle/>
+          <a:p>
+            <a:r>
               <a:rPr lang="en-US" dirty="0" err="1" smtClean="0"/>
               <a:t>Axios</a:t>
             </a:r>
@@ -12973,7 +13127,7 @@
 </p:sld>
 </file>
 
-<file path=ppt/slides/slide14.xml><?xml version="1.0" encoding="utf-8"?>
+<file path=ppt/slides/slide15.xml><?xml version="1.0" encoding="utf-8"?>
 <p:sld xmlns:a="http://schemas.openxmlformats.org/drawingml/2006/main" xmlns:r="http://schemas.openxmlformats.org/officeDocument/2006/relationships" xmlns:p="http://schemas.openxmlformats.org/presentationml/2006/main">
   <p:cSld>
     <p:spTree>
@@ -13172,946 +13326,6 @@
             <a:r>
               <a:rPr lang="en-US" dirty="0"/>
               <a:t>, and possibly overwrite your state.</a:t>
-            </a:r>
-          </a:p>
-        </p:txBody>
-      </p:sp>
-    </p:spTree>
-  </p:cSld>
-  <p:clrMapOvr>
-    <a:masterClrMapping/>
-  </p:clrMapOvr>
-  <p:timing>
-    <p:tnLst>
-      <p:par>
-        <p:cTn id="1" dur="indefinite" restart="never" nodeType="tmRoot"/>
-      </p:par>
-    </p:tnLst>
-  </p:timing>
-</p:sld>
-</file>
-
-<file path=ppt/slides/slide15.xml><?xml version="1.0" encoding="utf-8"?>
-<p:sld xmlns:a="http://schemas.openxmlformats.org/drawingml/2006/main" xmlns:r="http://schemas.openxmlformats.org/officeDocument/2006/relationships" xmlns:p="http://schemas.openxmlformats.org/presentationml/2006/main">
-  <p:cSld>
-    <p:spTree>
-      <p:nvGrpSpPr>
-        <p:cNvPr id="1" name="Shape 99"/>
-        <p:cNvGrpSpPr/>
-        <p:nvPr/>
-      </p:nvGrpSpPr>
-      <p:grpSpPr>
-        <a:xfrm>
-          <a:off x="0" y="0"/>
-          <a:ext cx="0" cy="0"/>
-          <a:chOff x="0" y="0"/>
-          <a:chExt cx="0" cy="0"/>
-        </a:xfrm>
-      </p:grpSpPr>
-      <p:sp>
-        <p:nvSpPr>
-          <p:cNvPr id="100" name="Shape 100"/>
-          <p:cNvSpPr txBox="1">
-            <a:spLocks noGrp="1"/>
-          </p:cNvSpPr>
-          <p:nvPr>
-            <p:ph type="title"/>
-          </p:nvPr>
-        </p:nvSpPr>
-        <p:spPr>
-          <a:xfrm>
-            <a:off x="952500" y="254000"/>
-            <a:ext cx="11099700" cy="2159100"/>
-          </a:xfrm>
-          <a:prstGeom prst="rect">
-            <a:avLst/>
-          </a:prstGeom>
-        </p:spPr>
-        <p:txBody>
-          <a:bodyPr lIns="91425" tIns="91425" rIns="91425" bIns="91425" anchor="ctr" anchorCtr="0">
-            <a:noAutofit/>
-          </a:bodyPr>
-          <a:lstStyle/>
-          <a:p>
-            <a:pPr lvl="0">
-              <a:spcBef>
-                <a:spcPts val="0"/>
-              </a:spcBef>
-              <a:buNone/>
-            </a:pPr>
-            <a:r>
-              <a:rPr lang="en-US" dirty="0" err="1" smtClean="0"/>
-              <a:t>DashBoardComponent</a:t>
-            </a:r>
-            <a:endParaRPr lang="en-US" dirty="0"/>
-          </a:p>
-        </p:txBody>
-      </p:sp>
-      <p:sp>
-        <p:nvSpPr>
-          <p:cNvPr id="101" name="Shape 101"/>
-          <p:cNvSpPr txBox="1"/>
-          <p:nvPr/>
-        </p:nvSpPr>
-        <p:spPr>
-          <a:xfrm>
-            <a:off x="2292321" y="2576386"/>
-            <a:ext cx="8683994" cy="6138300"/>
-          </a:xfrm>
-          <a:prstGeom prst="rect">
-            <a:avLst/>
-          </a:prstGeom>
-          <a:noFill/>
-          <a:ln>
-            <a:noFill/>
-          </a:ln>
-        </p:spPr>
-        <p:txBody>
-          <a:bodyPr lIns="91425" tIns="91425" rIns="91425" bIns="91425" anchor="ctr" anchorCtr="0">
-            <a:noAutofit/>
-          </a:bodyPr>
-          <a:lstStyle/>
-          <a:p>
-            <a:r>
-              <a:rPr lang="de-DE" dirty="0">
-                <a:solidFill>
-                  <a:schemeClr val="bg1"/>
-                </a:solidFill>
-              </a:rPr>
-              <a:t/>
-            </a:r>
-            <a:br>
-              <a:rPr lang="de-DE" dirty="0">
-                <a:solidFill>
-                  <a:schemeClr val="bg1"/>
-                </a:solidFill>
-              </a:rPr>
-            </a:br>
-            <a:endParaRPr lang="de-DE" dirty="0">
-              <a:solidFill>
-                <a:schemeClr val="bg1"/>
-              </a:solidFill>
-            </a:endParaRPr>
-          </a:p>
-          <a:p>
-            <a:r>
-              <a:rPr lang="de-DE" sz="1800" dirty="0" err="1">
-                <a:solidFill>
-                  <a:schemeClr val="bg1"/>
-                </a:solidFill>
-              </a:rPr>
-              <a:t>export</a:t>
-            </a:r>
-            <a:r>
-              <a:rPr lang="de-DE" sz="1800" dirty="0">
-                <a:solidFill>
-                  <a:schemeClr val="bg1"/>
-                </a:solidFill>
-              </a:rPr>
-              <a:t> </a:t>
-            </a:r>
-            <a:r>
-              <a:rPr lang="de-DE" sz="1800" dirty="0" err="1">
-                <a:solidFill>
-                  <a:schemeClr val="bg1"/>
-                </a:solidFill>
-              </a:rPr>
-              <a:t>class</a:t>
-            </a:r>
-            <a:r>
-              <a:rPr lang="de-DE" sz="1800" dirty="0">
-                <a:solidFill>
-                  <a:schemeClr val="bg1"/>
-                </a:solidFill>
-              </a:rPr>
-              <a:t> </a:t>
-            </a:r>
-            <a:r>
-              <a:rPr lang="de-DE" sz="1800" b="1" dirty="0">
-                <a:solidFill>
-                  <a:schemeClr val="bg1"/>
-                </a:solidFill>
-              </a:rPr>
-              <a:t>Dashboard</a:t>
-            </a:r>
-            <a:r>
-              <a:rPr lang="de-DE" sz="1800" dirty="0">
-                <a:solidFill>
-                  <a:schemeClr val="bg1"/>
-                </a:solidFill>
-              </a:rPr>
-              <a:t> </a:t>
-            </a:r>
-            <a:r>
-              <a:rPr lang="de-DE" sz="1800" dirty="0" err="1">
-                <a:solidFill>
-                  <a:schemeClr val="bg1"/>
-                </a:solidFill>
-              </a:rPr>
-              <a:t>extends</a:t>
-            </a:r>
-            <a:r>
-              <a:rPr lang="de-DE" sz="1800" dirty="0">
-                <a:solidFill>
-                  <a:schemeClr val="bg1"/>
-                </a:solidFill>
-              </a:rPr>
-              <a:t> </a:t>
-            </a:r>
-            <a:r>
-              <a:rPr lang="de-DE" sz="1800" dirty="0" err="1">
-                <a:solidFill>
-                  <a:schemeClr val="bg1"/>
-                </a:solidFill>
-              </a:rPr>
-              <a:t>React.Component</a:t>
-            </a:r>
-            <a:r>
-              <a:rPr lang="de-DE" sz="1800" dirty="0">
-                <a:solidFill>
-                  <a:schemeClr val="bg1"/>
-                </a:solidFill>
-              </a:rPr>
-              <a:t> {</a:t>
-            </a:r>
-          </a:p>
-          <a:p>
-            <a:endParaRPr lang="de-DE" sz="1800" dirty="0">
-              <a:solidFill>
-                <a:schemeClr val="bg1"/>
-              </a:solidFill>
-            </a:endParaRPr>
-          </a:p>
-          <a:p>
-            <a:r>
-              <a:rPr lang="de-DE" sz="1800" dirty="0">
-                <a:solidFill>
-                  <a:schemeClr val="bg1"/>
-                </a:solidFill>
-              </a:rPr>
-              <a:t>  </a:t>
-            </a:r>
-            <a:r>
-              <a:rPr lang="de-DE" sz="1800" dirty="0" err="1">
-                <a:solidFill>
-                  <a:schemeClr val="bg1"/>
-                </a:solidFill>
-              </a:rPr>
-              <a:t>constructor</a:t>
-            </a:r>
-            <a:r>
-              <a:rPr lang="de-DE" sz="1800" dirty="0">
-                <a:solidFill>
-                  <a:schemeClr val="bg1"/>
-                </a:solidFill>
-              </a:rPr>
-              <a:t>(</a:t>
-            </a:r>
-            <a:r>
-              <a:rPr lang="de-DE" sz="1800" dirty="0" err="1">
-                <a:solidFill>
-                  <a:schemeClr val="bg1"/>
-                </a:solidFill>
-              </a:rPr>
-              <a:t>props</a:t>
-            </a:r>
-            <a:r>
-              <a:rPr lang="de-DE" sz="1800" dirty="0">
-                <a:solidFill>
-                  <a:schemeClr val="bg1"/>
-                </a:solidFill>
-              </a:rPr>
-              <a:t>) {</a:t>
-            </a:r>
-          </a:p>
-          <a:p>
-            <a:r>
-              <a:rPr lang="de-DE" sz="1800" dirty="0">
-                <a:solidFill>
-                  <a:schemeClr val="bg1"/>
-                </a:solidFill>
-              </a:rPr>
-              <a:t>    super(</a:t>
-            </a:r>
-            <a:r>
-              <a:rPr lang="de-DE" sz="1800" dirty="0" err="1">
-                <a:solidFill>
-                  <a:schemeClr val="bg1"/>
-                </a:solidFill>
-              </a:rPr>
-              <a:t>props</a:t>
-            </a:r>
-            <a:r>
-              <a:rPr lang="de-DE" sz="1800" dirty="0" smtClean="0">
-                <a:solidFill>
-                  <a:schemeClr val="bg1"/>
-                </a:solidFill>
-              </a:rPr>
-              <a:t>);</a:t>
-            </a:r>
-            <a:r>
-              <a:rPr lang="de-DE" sz="1800" dirty="0">
-                <a:solidFill>
-                  <a:schemeClr val="bg1"/>
-                </a:solidFill>
-              </a:rPr>
-              <a:t/>
-            </a:r>
-            <a:br>
-              <a:rPr lang="de-DE" sz="1800" dirty="0">
-                <a:solidFill>
-                  <a:schemeClr val="bg1"/>
-                </a:solidFill>
-              </a:rPr>
-            </a:br>
-            <a:endParaRPr lang="de-DE" sz="1800" dirty="0">
-              <a:solidFill>
-                <a:schemeClr val="bg1"/>
-              </a:solidFill>
-            </a:endParaRPr>
-          </a:p>
-          <a:p>
-            <a:r>
-              <a:rPr lang="de-DE" sz="1800" dirty="0">
-                <a:solidFill>
-                  <a:schemeClr val="bg1"/>
-                </a:solidFill>
-              </a:rPr>
-              <a:t>    </a:t>
-            </a:r>
-            <a:r>
-              <a:rPr lang="de-DE" sz="1800" b="1" dirty="0" err="1">
-                <a:solidFill>
-                  <a:srgbClr val="FF0000"/>
-                </a:solidFill>
-              </a:rPr>
-              <a:t>this.state</a:t>
-            </a:r>
-            <a:r>
-              <a:rPr lang="de-DE" sz="1800" b="1" dirty="0">
-                <a:solidFill>
-                  <a:srgbClr val="FF0000"/>
-                </a:solidFill>
-              </a:rPr>
-              <a:t> = {</a:t>
-            </a:r>
-          </a:p>
-          <a:p>
-            <a:r>
-              <a:rPr lang="de-DE" sz="1800" dirty="0">
-                <a:solidFill>
-                  <a:schemeClr val="bg1"/>
-                </a:solidFill>
-              </a:rPr>
-              <a:t>      </a:t>
-            </a:r>
-            <a:r>
-              <a:rPr lang="de-DE" sz="1800" dirty="0" err="1">
-                <a:solidFill>
-                  <a:srgbClr val="FFFF00"/>
-                </a:solidFill>
-              </a:rPr>
-              <a:t>books</a:t>
-            </a:r>
-            <a:r>
-              <a:rPr lang="de-DE" sz="1800" dirty="0">
-                <a:solidFill>
-                  <a:srgbClr val="FFFF00"/>
-                </a:solidFill>
-              </a:rPr>
-              <a:t>: [‘book1’,’book2’]</a:t>
-            </a:r>
-          </a:p>
-          <a:p>
-            <a:r>
-              <a:rPr lang="de-DE" sz="1800" dirty="0">
-                <a:solidFill>
-                  <a:schemeClr val="bg1"/>
-                </a:solidFill>
-              </a:rPr>
-              <a:t>    </a:t>
-            </a:r>
-            <a:r>
-              <a:rPr lang="de-DE" sz="1800" b="1" dirty="0" smtClean="0">
-                <a:solidFill>
-                  <a:srgbClr val="FF0000"/>
-                </a:solidFill>
-              </a:rPr>
-              <a:t>}</a:t>
-            </a:r>
-          </a:p>
-          <a:p>
-            <a:r>
-              <a:rPr lang="de-DE" sz="1800" dirty="0" smtClean="0">
-                <a:solidFill>
-                  <a:schemeClr val="bg1"/>
-                </a:solidFill>
-              </a:rPr>
-              <a:t>  }</a:t>
-            </a:r>
-            <a:r>
-              <a:rPr lang="de-DE" sz="1800" dirty="0">
-                <a:solidFill>
-                  <a:schemeClr val="bg1"/>
-                </a:solidFill>
-              </a:rPr>
-              <a:t/>
-            </a:r>
-            <a:br>
-              <a:rPr lang="de-DE" sz="1800" dirty="0">
-                <a:solidFill>
-                  <a:schemeClr val="bg1"/>
-                </a:solidFill>
-              </a:rPr>
-            </a:br>
-            <a:endParaRPr lang="de-DE" sz="1800" dirty="0">
-              <a:solidFill>
-                <a:schemeClr val="bg1"/>
-              </a:solidFill>
-            </a:endParaRPr>
-          </a:p>
-          <a:p>
-            <a:r>
-              <a:rPr lang="de-DE" sz="1800" dirty="0">
-                <a:solidFill>
-                  <a:schemeClr val="bg1"/>
-                </a:solidFill>
-              </a:rPr>
-              <a:t>  </a:t>
-            </a:r>
-            <a:r>
-              <a:rPr lang="de-DE" sz="1800" b="1" dirty="0" err="1">
-                <a:solidFill>
-                  <a:srgbClr val="FFC000"/>
-                </a:solidFill>
-              </a:rPr>
-              <a:t>componentDidMount</a:t>
-            </a:r>
-            <a:r>
-              <a:rPr lang="de-DE" sz="1800" b="1" dirty="0">
-                <a:solidFill>
-                  <a:srgbClr val="FFC000"/>
-                </a:solidFill>
-              </a:rPr>
-              <a:t>(){</a:t>
-            </a:r>
-          </a:p>
-          <a:p>
-            <a:r>
-              <a:rPr lang="de-DE" sz="1800" dirty="0">
-                <a:solidFill>
-                  <a:schemeClr val="bg1"/>
-                </a:solidFill>
-              </a:rPr>
-              <a:t>    </a:t>
-            </a:r>
-            <a:r>
-              <a:rPr lang="de-DE" sz="1800" dirty="0" smtClean="0">
-                <a:solidFill>
-                  <a:schemeClr val="bg1"/>
-                </a:solidFill>
-              </a:rPr>
-              <a:t>  </a:t>
-            </a:r>
-            <a:r>
-              <a:rPr lang="de-DE" sz="1800" dirty="0" smtClean="0">
-                <a:solidFill>
-                  <a:srgbClr val="EEE400"/>
-                </a:solidFill>
-              </a:rPr>
-              <a:t>// </a:t>
-            </a:r>
-            <a:r>
-              <a:rPr lang="de-DE" sz="1800" dirty="0" err="1">
-                <a:solidFill>
-                  <a:srgbClr val="EEE400"/>
-                </a:solidFill>
-              </a:rPr>
-              <a:t>You</a:t>
-            </a:r>
-            <a:r>
-              <a:rPr lang="de-DE" sz="1800" dirty="0">
-                <a:solidFill>
-                  <a:srgbClr val="EEE400"/>
-                </a:solidFill>
-              </a:rPr>
-              <a:t> </a:t>
-            </a:r>
-            <a:r>
-              <a:rPr lang="de-DE" sz="1800" dirty="0" err="1">
-                <a:solidFill>
-                  <a:srgbClr val="EEE400"/>
-                </a:solidFill>
-              </a:rPr>
-              <a:t>should</a:t>
-            </a:r>
-            <a:r>
-              <a:rPr lang="de-DE" sz="1800" dirty="0">
-                <a:solidFill>
-                  <a:srgbClr val="EEE400"/>
-                </a:solidFill>
-              </a:rPr>
-              <a:t> </a:t>
-            </a:r>
-            <a:r>
-              <a:rPr lang="de-DE" sz="1800" dirty="0" err="1">
-                <a:solidFill>
-                  <a:srgbClr val="EEE400"/>
-                </a:solidFill>
-              </a:rPr>
-              <a:t>fetch</a:t>
-            </a:r>
-            <a:r>
-              <a:rPr lang="de-DE" sz="1800" dirty="0">
-                <a:solidFill>
-                  <a:srgbClr val="EEE400"/>
-                </a:solidFill>
-              </a:rPr>
-              <a:t> de </a:t>
-            </a:r>
-            <a:r>
-              <a:rPr lang="de-DE" sz="1800" dirty="0" err="1">
-                <a:solidFill>
-                  <a:srgbClr val="EEE400"/>
-                </a:solidFill>
-              </a:rPr>
-              <a:t>books</a:t>
-            </a:r>
-            <a:r>
-              <a:rPr lang="de-DE" sz="1800" dirty="0">
-                <a:solidFill>
-                  <a:srgbClr val="EEE400"/>
-                </a:solidFill>
-              </a:rPr>
-              <a:t> </a:t>
-            </a:r>
-            <a:r>
-              <a:rPr lang="de-DE" sz="1800" dirty="0" err="1">
-                <a:solidFill>
-                  <a:srgbClr val="EEE400"/>
-                </a:solidFill>
-              </a:rPr>
-              <a:t>from</a:t>
-            </a:r>
-            <a:r>
-              <a:rPr lang="de-DE" sz="1800" dirty="0">
-                <a:solidFill>
-                  <a:srgbClr val="EEE400"/>
-                </a:solidFill>
-              </a:rPr>
-              <a:t> http://localhost:5000/</a:t>
-            </a:r>
-            <a:r>
-              <a:rPr lang="de-DE" sz="1800" dirty="0" err="1">
-                <a:solidFill>
-                  <a:srgbClr val="EEE400"/>
-                </a:solidFill>
-              </a:rPr>
-              <a:t>books</a:t>
-            </a:r>
-            <a:endParaRPr lang="de-DE" sz="1800" dirty="0">
-              <a:solidFill>
-                <a:srgbClr val="EEE400"/>
-              </a:solidFill>
-            </a:endParaRPr>
-          </a:p>
-          <a:p>
-            <a:r>
-              <a:rPr lang="de-DE" sz="1800" dirty="0">
-                <a:solidFill>
-                  <a:srgbClr val="EEE400"/>
-                </a:solidFill>
-              </a:rPr>
-              <a:t>   </a:t>
-            </a:r>
-            <a:r>
-              <a:rPr lang="de-DE" sz="1800">
-                <a:solidFill>
-                  <a:srgbClr val="EEE400"/>
-                </a:solidFill>
-              </a:rPr>
-              <a:t> </a:t>
-            </a:r>
-            <a:r>
-              <a:rPr lang="de-DE" sz="1800" smtClean="0">
-                <a:solidFill>
-                  <a:srgbClr val="EEE400"/>
-                </a:solidFill>
-              </a:rPr>
-              <a:t>  // </a:t>
-            </a:r>
-            <a:r>
-              <a:rPr lang="de-DE" sz="1800" dirty="0" err="1">
-                <a:solidFill>
-                  <a:srgbClr val="EEE400"/>
-                </a:solidFill>
-              </a:rPr>
-              <a:t>and</a:t>
-            </a:r>
-            <a:r>
-              <a:rPr lang="de-DE" sz="1800" dirty="0">
-                <a:solidFill>
-                  <a:srgbClr val="EEE400"/>
-                </a:solidFill>
-              </a:rPr>
-              <a:t> </a:t>
-            </a:r>
-            <a:r>
-              <a:rPr lang="de-DE" sz="1800" dirty="0" err="1">
-                <a:solidFill>
-                  <a:srgbClr val="EEE400"/>
-                </a:solidFill>
-              </a:rPr>
-              <a:t>store</a:t>
-            </a:r>
-            <a:r>
-              <a:rPr lang="de-DE" sz="1800" dirty="0">
-                <a:solidFill>
-                  <a:srgbClr val="EEE400"/>
-                </a:solidFill>
-              </a:rPr>
-              <a:t> </a:t>
-            </a:r>
-            <a:r>
-              <a:rPr lang="de-DE" sz="1800" dirty="0" err="1">
-                <a:solidFill>
-                  <a:srgbClr val="EEE400"/>
-                </a:solidFill>
-              </a:rPr>
-              <a:t>them</a:t>
-            </a:r>
-            <a:r>
-              <a:rPr lang="de-DE" sz="1800" dirty="0">
-                <a:solidFill>
-                  <a:srgbClr val="EEE400"/>
-                </a:solidFill>
-              </a:rPr>
-              <a:t> in </a:t>
-            </a:r>
-            <a:r>
-              <a:rPr lang="de-DE" sz="1800" dirty="0" err="1">
-                <a:solidFill>
-                  <a:srgbClr val="EEE400"/>
-                </a:solidFill>
-              </a:rPr>
-              <a:t>your</a:t>
-            </a:r>
-            <a:r>
-              <a:rPr lang="de-DE" sz="1800" dirty="0">
-                <a:solidFill>
-                  <a:srgbClr val="EEE400"/>
-                </a:solidFill>
-              </a:rPr>
-              <a:t> </a:t>
-            </a:r>
-            <a:r>
-              <a:rPr lang="de-DE" sz="1800" dirty="0" err="1">
-                <a:solidFill>
-                  <a:srgbClr val="EEE400"/>
-                </a:solidFill>
-              </a:rPr>
-              <a:t>state</a:t>
-            </a:r>
-            <a:endParaRPr lang="de-DE" sz="1800" dirty="0">
-              <a:solidFill>
-                <a:srgbClr val="EEE400"/>
-              </a:solidFill>
-            </a:endParaRPr>
-          </a:p>
-          <a:p>
-            <a:r>
-              <a:rPr lang="de-DE" sz="1800" dirty="0">
-                <a:solidFill>
-                  <a:schemeClr val="bg1"/>
-                </a:solidFill>
-              </a:rPr>
-              <a:t>  </a:t>
-            </a:r>
-            <a:r>
-              <a:rPr lang="de-DE" sz="1800" b="1" dirty="0" smtClean="0">
-                <a:solidFill>
-                  <a:srgbClr val="FFC000"/>
-                </a:solidFill>
-              </a:rPr>
-              <a:t>}</a:t>
-            </a:r>
-            <a:r>
-              <a:rPr lang="de-DE" sz="1800" dirty="0">
-                <a:solidFill>
-                  <a:schemeClr val="bg1"/>
-                </a:solidFill>
-              </a:rPr>
-              <a:t/>
-            </a:r>
-            <a:br>
-              <a:rPr lang="de-DE" sz="1800" dirty="0">
-                <a:solidFill>
-                  <a:schemeClr val="bg1"/>
-                </a:solidFill>
-              </a:rPr>
-            </a:br>
-            <a:endParaRPr lang="de-DE" sz="1800" dirty="0">
-              <a:solidFill>
-                <a:schemeClr val="bg1"/>
-              </a:solidFill>
-            </a:endParaRPr>
-          </a:p>
-          <a:p>
-            <a:r>
-              <a:rPr lang="de-DE" sz="1800" dirty="0">
-                <a:solidFill>
-                  <a:schemeClr val="bg1"/>
-                </a:solidFill>
-              </a:rPr>
-              <a:t>  </a:t>
-            </a:r>
-            <a:r>
-              <a:rPr lang="de-DE" sz="1800" dirty="0" err="1">
-                <a:solidFill>
-                  <a:schemeClr val="bg1"/>
-                </a:solidFill>
-              </a:rPr>
-              <a:t>render</a:t>
-            </a:r>
-            <a:r>
-              <a:rPr lang="de-DE" sz="1800" dirty="0">
-                <a:solidFill>
-                  <a:schemeClr val="bg1"/>
-                </a:solidFill>
-              </a:rPr>
-              <a:t>() {</a:t>
-            </a:r>
-          </a:p>
-          <a:p>
-            <a:r>
-              <a:rPr lang="de-DE" sz="1800" dirty="0">
-                <a:solidFill>
-                  <a:schemeClr val="bg1"/>
-                </a:solidFill>
-              </a:rPr>
-              <a:t>    </a:t>
-            </a:r>
-            <a:r>
-              <a:rPr lang="de-DE" sz="1800" dirty="0" err="1">
-                <a:solidFill>
-                  <a:schemeClr val="bg1"/>
-                </a:solidFill>
-              </a:rPr>
-              <a:t>return</a:t>
-            </a:r>
-            <a:r>
-              <a:rPr lang="de-DE" sz="1800" dirty="0">
-                <a:solidFill>
-                  <a:schemeClr val="bg1"/>
-                </a:solidFill>
-              </a:rPr>
-              <a:t> (</a:t>
-            </a:r>
-          </a:p>
-          <a:p>
-            <a:r>
-              <a:rPr lang="de-DE" sz="1800" dirty="0">
-                <a:solidFill>
-                  <a:schemeClr val="bg1"/>
-                </a:solidFill>
-              </a:rPr>
-              <a:t>      &lt;div&gt;</a:t>
-            </a:r>
-          </a:p>
-          <a:p>
-            <a:r>
-              <a:rPr lang="de-DE" sz="1800" dirty="0">
-                <a:solidFill>
-                  <a:schemeClr val="bg1"/>
-                </a:solidFill>
-              </a:rPr>
-              <a:t>        &lt;h3&gt;All Books&lt;/h3&gt;</a:t>
-            </a:r>
-          </a:p>
-          <a:p>
-            <a:r>
-              <a:rPr lang="de-DE" sz="1800" dirty="0">
-                <a:solidFill>
-                  <a:schemeClr val="bg1"/>
-                </a:solidFill>
-              </a:rPr>
-              <a:t>          </a:t>
-            </a:r>
-            <a:r>
-              <a:rPr lang="de-DE" sz="1800" dirty="0">
-                <a:solidFill>
-                  <a:srgbClr val="FFC000"/>
-                </a:solidFill>
-              </a:rPr>
-              <a:t>&lt;</a:t>
-            </a:r>
-            <a:r>
-              <a:rPr lang="de-DE" sz="1800" dirty="0" err="1">
-                <a:solidFill>
-                  <a:srgbClr val="FFC000"/>
-                </a:solidFill>
-              </a:rPr>
-              <a:t>BookSearch</a:t>
-            </a:r>
-            <a:r>
-              <a:rPr lang="de-DE" sz="1800" dirty="0">
-                <a:solidFill>
-                  <a:srgbClr val="FFC000"/>
-                </a:solidFill>
-              </a:rPr>
-              <a:t> /&gt;</a:t>
-            </a:r>
-          </a:p>
-          <a:p>
-            <a:r>
-              <a:rPr lang="de-DE" sz="1800" dirty="0">
-                <a:solidFill>
-                  <a:schemeClr val="bg1"/>
-                </a:solidFill>
-              </a:rPr>
-              <a:t>        </a:t>
-            </a:r>
-          </a:p>
-          <a:p>
-            <a:r>
-              <a:rPr lang="de-DE" sz="1800" dirty="0">
-                <a:solidFill>
-                  <a:schemeClr val="bg1"/>
-                </a:solidFill>
-              </a:rPr>
-              <a:t>       </a:t>
-            </a:r>
-            <a:r>
-              <a:rPr lang="de-DE" sz="1800" dirty="0">
-                <a:solidFill>
-                  <a:srgbClr val="FFFF00"/>
-                </a:solidFill>
-              </a:rPr>
-              <a:t>   {</a:t>
-            </a:r>
-            <a:r>
-              <a:rPr lang="de-DE" sz="1800" dirty="0" err="1">
-                <a:solidFill>
-                  <a:srgbClr val="FFFF00"/>
-                </a:solidFill>
-              </a:rPr>
-              <a:t>this.state.books.map</a:t>
-            </a:r>
-            <a:r>
-              <a:rPr lang="de-DE" sz="1800" dirty="0">
-                <a:solidFill>
-                  <a:srgbClr val="FFFF00"/>
-                </a:solidFill>
-              </a:rPr>
-              <a:t>(</a:t>
-            </a:r>
-            <a:r>
-              <a:rPr lang="de-DE" sz="1800" dirty="0" err="1">
-                <a:solidFill>
-                  <a:srgbClr val="FFFF00"/>
-                </a:solidFill>
-              </a:rPr>
-              <a:t>book</a:t>
-            </a:r>
-            <a:r>
-              <a:rPr lang="de-DE" sz="1800" dirty="0">
-                <a:solidFill>
-                  <a:srgbClr val="FFFF00"/>
-                </a:solidFill>
-              </a:rPr>
-              <a:t> </a:t>
-            </a:r>
-            <a:r>
-              <a:rPr lang="de-DE" sz="1800" dirty="0">
-                <a:solidFill>
-                  <a:srgbClr val="FF0000"/>
-                </a:solidFill>
-              </a:rPr>
-              <a:t>=&gt;</a:t>
-            </a:r>
-            <a:r>
-              <a:rPr lang="de-DE" sz="1800" dirty="0">
-                <a:solidFill>
-                  <a:srgbClr val="FFFF00"/>
-                </a:solidFill>
-              </a:rPr>
-              <a:t> (</a:t>
-            </a:r>
-          </a:p>
-          <a:p>
-            <a:r>
-              <a:rPr lang="de-DE" sz="1800" dirty="0">
-                <a:solidFill>
-                  <a:srgbClr val="FFFF00"/>
-                </a:solidFill>
-              </a:rPr>
-              <a:t>                &lt;h4&gt;{</a:t>
-            </a:r>
-            <a:r>
-              <a:rPr lang="de-DE" sz="1800" dirty="0" err="1">
-                <a:solidFill>
-                  <a:srgbClr val="FFFF00"/>
-                </a:solidFill>
-              </a:rPr>
-              <a:t>book</a:t>
-            </a:r>
-            <a:r>
-              <a:rPr lang="de-DE" sz="1800" dirty="0">
-                <a:solidFill>
-                  <a:srgbClr val="FFFF00"/>
-                </a:solidFill>
-              </a:rPr>
-              <a:t>}&lt;/h4&gt;</a:t>
-            </a:r>
-          </a:p>
-          <a:p>
-            <a:r>
-              <a:rPr lang="de-DE" sz="1800" dirty="0">
-                <a:solidFill>
-                  <a:srgbClr val="FFFF00"/>
-                </a:solidFill>
-              </a:rPr>
-              <a:t>          ))}</a:t>
-            </a:r>
-          </a:p>
-          <a:p>
-            <a:r>
-              <a:rPr lang="de-DE" sz="1800" dirty="0">
-                <a:solidFill>
-                  <a:schemeClr val="bg1"/>
-                </a:solidFill>
-              </a:rPr>
-              <a:t>       &lt;/div&gt;</a:t>
-            </a:r>
-          </a:p>
-          <a:p>
-            <a:r>
-              <a:rPr lang="de-DE" sz="1800" dirty="0">
-                <a:solidFill>
-                  <a:schemeClr val="bg1"/>
-                </a:solidFill>
-              </a:rPr>
-              <a:t>    );</a:t>
-            </a:r>
-          </a:p>
-          <a:p>
-            <a:r>
-              <a:rPr lang="de-DE" sz="1800" dirty="0">
-                <a:solidFill>
-                  <a:schemeClr val="bg1"/>
-                </a:solidFill>
-              </a:rPr>
-              <a:t>  }</a:t>
-            </a:r>
-          </a:p>
-          <a:p>
-            <a:r>
-              <a:rPr lang="de-DE" sz="1800" dirty="0">
-                <a:solidFill>
-                  <a:schemeClr val="bg1"/>
-                </a:solidFill>
-              </a:rPr>
-              <a:t>}</a:t>
             </a:r>
           </a:p>
         </p:txBody>
@@ -14160,6 +13374,946 @@
         </p:nvSpPr>
         <p:spPr>
           <a:xfrm>
+            <a:off x="952500" y="254000"/>
+            <a:ext cx="11099700" cy="2159100"/>
+          </a:xfrm>
+          <a:prstGeom prst="rect">
+            <a:avLst/>
+          </a:prstGeom>
+        </p:spPr>
+        <p:txBody>
+          <a:bodyPr lIns="91425" tIns="91425" rIns="91425" bIns="91425" anchor="ctr" anchorCtr="0">
+            <a:noAutofit/>
+          </a:bodyPr>
+          <a:lstStyle/>
+          <a:p>
+            <a:pPr lvl="0">
+              <a:spcBef>
+                <a:spcPts val="0"/>
+              </a:spcBef>
+              <a:buNone/>
+            </a:pPr>
+            <a:r>
+              <a:rPr lang="en-US" dirty="0" err="1" smtClean="0"/>
+              <a:t>DashBoardComponent</a:t>
+            </a:r>
+            <a:endParaRPr lang="en-US" dirty="0"/>
+          </a:p>
+        </p:txBody>
+      </p:sp>
+      <p:sp>
+        <p:nvSpPr>
+          <p:cNvPr id="101" name="Shape 101"/>
+          <p:cNvSpPr txBox="1"/>
+          <p:nvPr/>
+        </p:nvSpPr>
+        <p:spPr>
+          <a:xfrm>
+            <a:off x="2292321" y="2576386"/>
+            <a:ext cx="8683994" cy="6138300"/>
+          </a:xfrm>
+          <a:prstGeom prst="rect">
+            <a:avLst/>
+          </a:prstGeom>
+          <a:noFill/>
+          <a:ln>
+            <a:noFill/>
+          </a:ln>
+        </p:spPr>
+        <p:txBody>
+          <a:bodyPr lIns="91425" tIns="91425" rIns="91425" bIns="91425" anchor="ctr" anchorCtr="0">
+            <a:noAutofit/>
+          </a:bodyPr>
+          <a:lstStyle/>
+          <a:p>
+            <a:r>
+              <a:rPr lang="de-DE" dirty="0">
+                <a:solidFill>
+                  <a:schemeClr val="bg1"/>
+                </a:solidFill>
+              </a:rPr>
+              <a:t/>
+            </a:r>
+            <a:br>
+              <a:rPr lang="de-DE" dirty="0">
+                <a:solidFill>
+                  <a:schemeClr val="bg1"/>
+                </a:solidFill>
+              </a:rPr>
+            </a:br>
+            <a:endParaRPr lang="de-DE" dirty="0">
+              <a:solidFill>
+                <a:schemeClr val="bg1"/>
+              </a:solidFill>
+            </a:endParaRPr>
+          </a:p>
+          <a:p>
+            <a:r>
+              <a:rPr lang="de-DE" sz="1800" dirty="0" err="1">
+                <a:solidFill>
+                  <a:schemeClr val="bg1"/>
+                </a:solidFill>
+              </a:rPr>
+              <a:t>export</a:t>
+            </a:r>
+            <a:r>
+              <a:rPr lang="de-DE" sz="1800" dirty="0">
+                <a:solidFill>
+                  <a:schemeClr val="bg1"/>
+                </a:solidFill>
+              </a:rPr>
+              <a:t> </a:t>
+            </a:r>
+            <a:r>
+              <a:rPr lang="de-DE" sz="1800" dirty="0" err="1">
+                <a:solidFill>
+                  <a:schemeClr val="bg1"/>
+                </a:solidFill>
+              </a:rPr>
+              <a:t>class</a:t>
+            </a:r>
+            <a:r>
+              <a:rPr lang="de-DE" sz="1800" dirty="0">
+                <a:solidFill>
+                  <a:schemeClr val="bg1"/>
+                </a:solidFill>
+              </a:rPr>
+              <a:t> </a:t>
+            </a:r>
+            <a:r>
+              <a:rPr lang="de-DE" sz="1800" b="1" dirty="0">
+                <a:solidFill>
+                  <a:schemeClr val="bg1"/>
+                </a:solidFill>
+              </a:rPr>
+              <a:t>Dashboard</a:t>
+            </a:r>
+            <a:r>
+              <a:rPr lang="de-DE" sz="1800" dirty="0">
+                <a:solidFill>
+                  <a:schemeClr val="bg1"/>
+                </a:solidFill>
+              </a:rPr>
+              <a:t> </a:t>
+            </a:r>
+            <a:r>
+              <a:rPr lang="de-DE" sz="1800" dirty="0" err="1">
+                <a:solidFill>
+                  <a:schemeClr val="bg1"/>
+                </a:solidFill>
+              </a:rPr>
+              <a:t>extends</a:t>
+            </a:r>
+            <a:r>
+              <a:rPr lang="de-DE" sz="1800" dirty="0">
+                <a:solidFill>
+                  <a:schemeClr val="bg1"/>
+                </a:solidFill>
+              </a:rPr>
+              <a:t> </a:t>
+            </a:r>
+            <a:r>
+              <a:rPr lang="de-DE" sz="1800" dirty="0" err="1">
+                <a:solidFill>
+                  <a:schemeClr val="bg1"/>
+                </a:solidFill>
+              </a:rPr>
+              <a:t>React.Component</a:t>
+            </a:r>
+            <a:r>
+              <a:rPr lang="de-DE" sz="1800" dirty="0">
+                <a:solidFill>
+                  <a:schemeClr val="bg1"/>
+                </a:solidFill>
+              </a:rPr>
+              <a:t> {</a:t>
+            </a:r>
+          </a:p>
+          <a:p>
+            <a:endParaRPr lang="de-DE" sz="1800" dirty="0">
+              <a:solidFill>
+                <a:schemeClr val="bg1"/>
+              </a:solidFill>
+            </a:endParaRPr>
+          </a:p>
+          <a:p>
+            <a:r>
+              <a:rPr lang="de-DE" sz="1800" dirty="0">
+                <a:solidFill>
+                  <a:schemeClr val="bg1"/>
+                </a:solidFill>
+              </a:rPr>
+              <a:t>  </a:t>
+            </a:r>
+            <a:r>
+              <a:rPr lang="de-DE" sz="1800" dirty="0" err="1">
+                <a:solidFill>
+                  <a:schemeClr val="bg1"/>
+                </a:solidFill>
+              </a:rPr>
+              <a:t>constructor</a:t>
+            </a:r>
+            <a:r>
+              <a:rPr lang="de-DE" sz="1800" dirty="0">
+                <a:solidFill>
+                  <a:schemeClr val="bg1"/>
+                </a:solidFill>
+              </a:rPr>
+              <a:t>(</a:t>
+            </a:r>
+            <a:r>
+              <a:rPr lang="de-DE" sz="1800" dirty="0" err="1">
+                <a:solidFill>
+                  <a:schemeClr val="bg1"/>
+                </a:solidFill>
+              </a:rPr>
+              <a:t>props</a:t>
+            </a:r>
+            <a:r>
+              <a:rPr lang="de-DE" sz="1800" dirty="0">
+                <a:solidFill>
+                  <a:schemeClr val="bg1"/>
+                </a:solidFill>
+              </a:rPr>
+              <a:t>) {</a:t>
+            </a:r>
+          </a:p>
+          <a:p>
+            <a:r>
+              <a:rPr lang="de-DE" sz="1800" dirty="0">
+                <a:solidFill>
+                  <a:schemeClr val="bg1"/>
+                </a:solidFill>
+              </a:rPr>
+              <a:t>    super(</a:t>
+            </a:r>
+            <a:r>
+              <a:rPr lang="de-DE" sz="1800" dirty="0" err="1">
+                <a:solidFill>
+                  <a:schemeClr val="bg1"/>
+                </a:solidFill>
+              </a:rPr>
+              <a:t>props</a:t>
+            </a:r>
+            <a:r>
+              <a:rPr lang="de-DE" sz="1800" dirty="0" smtClean="0">
+                <a:solidFill>
+                  <a:schemeClr val="bg1"/>
+                </a:solidFill>
+              </a:rPr>
+              <a:t>);</a:t>
+            </a:r>
+            <a:r>
+              <a:rPr lang="de-DE" sz="1800" dirty="0">
+                <a:solidFill>
+                  <a:schemeClr val="bg1"/>
+                </a:solidFill>
+              </a:rPr>
+              <a:t/>
+            </a:r>
+            <a:br>
+              <a:rPr lang="de-DE" sz="1800" dirty="0">
+                <a:solidFill>
+                  <a:schemeClr val="bg1"/>
+                </a:solidFill>
+              </a:rPr>
+            </a:br>
+            <a:endParaRPr lang="de-DE" sz="1800" dirty="0">
+              <a:solidFill>
+                <a:schemeClr val="bg1"/>
+              </a:solidFill>
+            </a:endParaRPr>
+          </a:p>
+          <a:p>
+            <a:r>
+              <a:rPr lang="de-DE" sz="1800" dirty="0">
+                <a:solidFill>
+                  <a:schemeClr val="bg1"/>
+                </a:solidFill>
+              </a:rPr>
+              <a:t>    </a:t>
+            </a:r>
+            <a:r>
+              <a:rPr lang="de-DE" sz="1800" b="1" dirty="0" err="1">
+                <a:solidFill>
+                  <a:srgbClr val="FF0000"/>
+                </a:solidFill>
+              </a:rPr>
+              <a:t>this.state</a:t>
+            </a:r>
+            <a:r>
+              <a:rPr lang="de-DE" sz="1800" b="1" dirty="0">
+                <a:solidFill>
+                  <a:srgbClr val="FF0000"/>
+                </a:solidFill>
+              </a:rPr>
+              <a:t> = {</a:t>
+            </a:r>
+          </a:p>
+          <a:p>
+            <a:r>
+              <a:rPr lang="de-DE" sz="1800" dirty="0">
+                <a:solidFill>
+                  <a:schemeClr val="bg1"/>
+                </a:solidFill>
+              </a:rPr>
+              <a:t>      </a:t>
+            </a:r>
+            <a:r>
+              <a:rPr lang="de-DE" sz="1800" dirty="0" err="1">
+                <a:solidFill>
+                  <a:srgbClr val="FFFF00"/>
+                </a:solidFill>
+              </a:rPr>
+              <a:t>books</a:t>
+            </a:r>
+            <a:r>
+              <a:rPr lang="de-DE" sz="1800" dirty="0">
+                <a:solidFill>
+                  <a:srgbClr val="FFFF00"/>
+                </a:solidFill>
+              </a:rPr>
+              <a:t>: [‘book1’,’book2’]</a:t>
+            </a:r>
+          </a:p>
+          <a:p>
+            <a:r>
+              <a:rPr lang="de-DE" sz="1800" dirty="0">
+                <a:solidFill>
+                  <a:schemeClr val="bg1"/>
+                </a:solidFill>
+              </a:rPr>
+              <a:t>    </a:t>
+            </a:r>
+            <a:r>
+              <a:rPr lang="de-DE" sz="1800" b="1" dirty="0" smtClean="0">
+                <a:solidFill>
+                  <a:srgbClr val="FF0000"/>
+                </a:solidFill>
+              </a:rPr>
+              <a:t>}</a:t>
+            </a:r>
+          </a:p>
+          <a:p>
+            <a:r>
+              <a:rPr lang="de-DE" sz="1800" dirty="0" smtClean="0">
+                <a:solidFill>
+                  <a:schemeClr val="bg1"/>
+                </a:solidFill>
+              </a:rPr>
+              <a:t>  }</a:t>
+            </a:r>
+            <a:r>
+              <a:rPr lang="de-DE" sz="1800" dirty="0">
+                <a:solidFill>
+                  <a:schemeClr val="bg1"/>
+                </a:solidFill>
+              </a:rPr>
+              <a:t/>
+            </a:r>
+            <a:br>
+              <a:rPr lang="de-DE" sz="1800" dirty="0">
+                <a:solidFill>
+                  <a:schemeClr val="bg1"/>
+                </a:solidFill>
+              </a:rPr>
+            </a:br>
+            <a:endParaRPr lang="de-DE" sz="1800" dirty="0">
+              <a:solidFill>
+                <a:schemeClr val="bg1"/>
+              </a:solidFill>
+            </a:endParaRPr>
+          </a:p>
+          <a:p>
+            <a:r>
+              <a:rPr lang="de-DE" sz="1800" dirty="0">
+                <a:solidFill>
+                  <a:schemeClr val="bg1"/>
+                </a:solidFill>
+              </a:rPr>
+              <a:t>  </a:t>
+            </a:r>
+            <a:r>
+              <a:rPr lang="de-DE" sz="1800" b="1" dirty="0" err="1">
+                <a:solidFill>
+                  <a:srgbClr val="FFC000"/>
+                </a:solidFill>
+              </a:rPr>
+              <a:t>componentDidMount</a:t>
+            </a:r>
+            <a:r>
+              <a:rPr lang="de-DE" sz="1800" b="1" dirty="0">
+                <a:solidFill>
+                  <a:srgbClr val="FFC000"/>
+                </a:solidFill>
+              </a:rPr>
+              <a:t>(){</a:t>
+            </a:r>
+          </a:p>
+          <a:p>
+            <a:r>
+              <a:rPr lang="de-DE" sz="1800" dirty="0">
+                <a:solidFill>
+                  <a:schemeClr val="bg1"/>
+                </a:solidFill>
+              </a:rPr>
+              <a:t>    </a:t>
+            </a:r>
+            <a:r>
+              <a:rPr lang="de-DE" sz="1800" dirty="0" smtClean="0">
+                <a:solidFill>
+                  <a:schemeClr val="bg1"/>
+                </a:solidFill>
+              </a:rPr>
+              <a:t>  </a:t>
+            </a:r>
+            <a:r>
+              <a:rPr lang="de-DE" sz="1800" dirty="0" smtClean="0">
+                <a:solidFill>
+                  <a:srgbClr val="EEE400"/>
+                </a:solidFill>
+              </a:rPr>
+              <a:t>// </a:t>
+            </a:r>
+            <a:r>
+              <a:rPr lang="de-DE" sz="1800" dirty="0" err="1">
+                <a:solidFill>
+                  <a:srgbClr val="EEE400"/>
+                </a:solidFill>
+              </a:rPr>
+              <a:t>You</a:t>
+            </a:r>
+            <a:r>
+              <a:rPr lang="de-DE" sz="1800" dirty="0">
+                <a:solidFill>
+                  <a:srgbClr val="EEE400"/>
+                </a:solidFill>
+              </a:rPr>
+              <a:t> </a:t>
+            </a:r>
+            <a:r>
+              <a:rPr lang="de-DE" sz="1800" dirty="0" err="1">
+                <a:solidFill>
+                  <a:srgbClr val="EEE400"/>
+                </a:solidFill>
+              </a:rPr>
+              <a:t>should</a:t>
+            </a:r>
+            <a:r>
+              <a:rPr lang="de-DE" sz="1800" dirty="0">
+                <a:solidFill>
+                  <a:srgbClr val="EEE400"/>
+                </a:solidFill>
+              </a:rPr>
+              <a:t> </a:t>
+            </a:r>
+            <a:r>
+              <a:rPr lang="de-DE" sz="1800" dirty="0" err="1">
+                <a:solidFill>
+                  <a:srgbClr val="EEE400"/>
+                </a:solidFill>
+              </a:rPr>
+              <a:t>fetch</a:t>
+            </a:r>
+            <a:r>
+              <a:rPr lang="de-DE" sz="1800" dirty="0">
+                <a:solidFill>
+                  <a:srgbClr val="EEE400"/>
+                </a:solidFill>
+              </a:rPr>
+              <a:t> de </a:t>
+            </a:r>
+            <a:r>
+              <a:rPr lang="de-DE" sz="1800" dirty="0" err="1">
+                <a:solidFill>
+                  <a:srgbClr val="EEE400"/>
+                </a:solidFill>
+              </a:rPr>
+              <a:t>books</a:t>
+            </a:r>
+            <a:r>
+              <a:rPr lang="de-DE" sz="1800" dirty="0">
+                <a:solidFill>
+                  <a:srgbClr val="EEE400"/>
+                </a:solidFill>
+              </a:rPr>
+              <a:t> </a:t>
+            </a:r>
+            <a:r>
+              <a:rPr lang="de-DE" sz="1800" dirty="0" err="1">
+                <a:solidFill>
+                  <a:srgbClr val="EEE400"/>
+                </a:solidFill>
+              </a:rPr>
+              <a:t>from</a:t>
+            </a:r>
+            <a:r>
+              <a:rPr lang="de-DE" sz="1800" dirty="0">
+                <a:solidFill>
+                  <a:srgbClr val="EEE400"/>
+                </a:solidFill>
+              </a:rPr>
+              <a:t> http://localhost:5000/</a:t>
+            </a:r>
+            <a:r>
+              <a:rPr lang="de-DE" sz="1800" dirty="0" err="1">
+                <a:solidFill>
+                  <a:srgbClr val="EEE400"/>
+                </a:solidFill>
+              </a:rPr>
+              <a:t>books</a:t>
+            </a:r>
+            <a:endParaRPr lang="de-DE" sz="1800" dirty="0">
+              <a:solidFill>
+                <a:srgbClr val="EEE400"/>
+              </a:solidFill>
+            </a:endParaRPr>
+          </a:p>
+          <a:p>
+            <a:r>
+              <a:rPr lang="de-DE" sz="1800" dirty="0">
+                <a:solidFill>
+                  <a:srgbClr val="EEE400"/>
+                </a:solidFill>
+              </a:rPr>
+              <a:t>   </a:t>
+            </a:r>
+            <a:r>
+              <a:rPr lang="de-DE" sz="1800">
+                <a:solidFill>
+                  <a:srgbClr val="EEE400"/>
+                </a:solidFill>
+              </a:rPr>
+              <a:t> </a:t>
+            </a:r>
+            <a:r>
+              <a:rPr lang="de-DE" sz="1800" smtClean="0">
+                <a:solidFill>
+                  <a:srgbClr val="EEE400"/>
+                </a:solidFill>
+              </a:rPr>
+              <a:t>  // </a:t>
+            </a:r>
+            <a:r>
+              <a:rPr lang="de-DE" sz="1800" dirty="0" err="1">
+                <a:solidFill>
+                  <a:srgbClr val="EEE400"/>
+                </a:solidFill>
+              </a:rPr>
+              <a:t>and</a:t>
+            </a:r>
+            <a:r>
+              <a:rPr lang="de-DE" sz="1800" dirty="0">
+                <a:solidFill>
+                  <a:srgbClr val="EEE400"/>
+                </a:solidFill>
+              </a:rPr>
+              <a:t> </a:t>
+            </a:r>
+            <a:r>
+              <a:rPr lang="de-DE" sz="1800" dirty="0" err="1">
+                <a:solidFill>
+                  <a:srgbClr val="EEE400"/>
+                </a:solidFill>
+              </a:rPr>
+              <a:t>store</a:t>
+            </a:r>
+            <a:r>
+              <a:rPr lang="de-DE" sz="1800" dirty="0">
+                <a:solidFill>
+                  <a:srgbClr val="EEE400"/>
+                </a:solidFill>
+              </a:rPr>
+              <a:t> </a:t>
+            </a:r>
+            <a:r>
+              <a:rPr lang="de-DE" sz="1800" dirty="0" err="1">
+                <a:solidFill>
+                  <a:srgbClr val="EEE400"/>
+                </a:solidFill>
+              </a:rPr>
+              <a:t>them</a:t>
+            </a:r>
+            <a:r>
+              <a:rPr lang="de-DE" sz="1800" dirty="0">
+                <a:solidFill>
+                  <a:srgbClr val="EEE400"/>
+                </a:solidFill>
+              </a:rPr>
+              <a:t> in </a:t>
+            </a:r>
+            <a:r>
+              <a:rPr lang="de-DE" sz="1800" dirty="0" err="1">
+                <a:solidFill>
+                  <a:srgbClr val="EEE400"/>
+                </a:solidFill>
+              </a:rPr>
+              <a:t>your</a:t>
+            </a:r>
+            <a:r>
+              <a:rPr lang="de-DE" sz="1800" dirty="0">
+                <a:solidFill>
+                  <a:srgbClr val="EEE400"/>
+                </a:solidFill>
+              </a:rPr>
+              <a:t> </a:t>
+            </a:r>
+            <a:r>
+              <a:rPr lang="de-DE" sz="1800" dirty="0" err="1">
+                <a:solidFill>
+                  <a:srgbClr val="EEE400"/>
+                </a:solidFill>
+              </a:rPr>
+              <a:t>state</a:t>
+            </a:r>
+            <a:endParaRPr lang="de-DE" sz="1800" dirty="0">
+              <a:solidFill>
+                <a:srgbClr val="EEE400"/>
+              </a:solidFill>
+            </a:endParaRPr>
+          </a:p>
+          <a:p>
+            <a:r>
+              <a:rPr lang="de-DE" sz="1800" dirty="0">
+                <a:solidFill>
+                  <a:schemeClr val="bg1"/>
+                </a:solidFill>
+              </a:rPr>
+              <a:t>  </a:t>
+            </a:r>
+            <a:r>
+              <a:rPr lang="de-DE" sz="1800" b="1" dirty="0" smtClean="0">
+                <a:solidFill>
+                  <a:srgbClr val="FFC000"/>
+                </a:solidFill>
+              </a:rPr>
+              <a:t>}</a:t>
+            </a:r>
+            <a:r>
+              <a:rPr lang="de-DE" sz="1800" dirty="0">
+                <a:solidFill>
+                  <a:schemeClr val="bg1"/>
+                </a:solidFill>
+              </a:rPr>
+              <a:t/>
+            </a:r>
+            <a:br>
+              <a:rPr lang="de-DE" sz="1800" dirty="0">
+                <a:solidFill>
+                  <a:schemeClr val="bg1"/>
+                </a:solidFill>
+              </a:rPr>
+            </a:br>
+            <a:endParaRPr lang="de-DE" sz="1800" dirty="0">
+              <a:solidFill>
+                <a:schemeClr val="bg1"/>
+              </a:solidFill>
+            </a:endParaRPr>
+          </a:p>
+          <a:p>
+            <a:r>
+              <a:rPr lang="de-DE" sz="1800" dirty="0">
+                <a:solidFill>
+                  <a:schemeClr val="bg1"/>
+                </a:solidFill>
+              </a:rPr>
+              <a:t>  </a:t>
+            </a:r>
+            <a:r>
+              <a:rPr lang="de-DE" sz="1800" dirty="0" err="1">
+                <a:solidFill>
+                  <a:schemeClr val="bg1"/>
+                </a:solidFill>
+              </a:rPr>
+              <a:t>render</a:t>
+            </a:r>
+            <a:r>
+              <a:rPr lang="de-DE" sz="1800" dirty="0">
+                <a:solidFill>
+                  <a:schemeClr val="bg1"/>
+                </a:solidFill>
+              </a:rPr>
+              <a:t>() {</a:t>
+            </a:r>
+          </a:p>
+          <a:p>
+            <a:r>
+              <a:rPr lang="de-DE" sz="1800" dirty="0">
+                <a:solidFill>
+                  <a:schemeClr val="bg1"/>
+                </a:solidFill>
+              </a:rPr>
+              <a:t>    </a:t>
+            </a:r>
+            <a:r>
+              <a:rPr lang="de-DE" sz="1800" dirty="0" err="1">
+                <a:solidFill>
+                  <a:schemeClr val="bg1"/>
+                </a:solidFill>
+              </a:rPr>
+              <a:t>return</a:t>
+            </a:r>
+            <a:r>
+              <a:rPr lang="de-DE" sz="1800" dirty="0">
+                <a:solidFill>
+                  <a:schemeClr val="bg1"/>
+                </a:solidFill>
+              </a:rPr>
+              <a:t> (</a:t>
+            </a:r>
+          </a:p>
+          <a:p>
+            <a:r>
+              <a:rPr lang="de-DE" sz="1800" dirty="0">
+                <a:solidFill>
+                  <a:schemeClr val="bg1"/>
+                </a:solidFill>
+              </a:rPr>
+              <a:t>      &lt;div&gt;</a:t>
+            </a:r>
+          </a:p>
+          <a:p>
+            <a:r>
+              <a:rPr lang="de-DE" sz="1800" dirty="0">
+                <a:solidFill>
+                  <a:schemeClr val="bg1"/>
+                </a:solidFill>
+              </a:rPr>
+              <a:t>        &lt;h3&gt;All Books&lt;/h3&gt;</a:t>
+            </a:r>
+          </a:p>
+          <a:p>
+            <a:r>
+              <a:rPr lang="de-DE" sz="1800" dirty="0">
+                <a:solidFill>
+                  <a:schemeClr val="bg1"/>
+                </a:solidFill>
+              </a:rPr>
+              <a:t>          </a:t>
+            </a:r>
+            <a:r>
+              <a:rPr lang="de-DE" sz="1800" dirty="0">
+                <a:solidFill>
+                  <a:srgbClr val="FFC000"/>
+                </a:solidFill>
+              </a:rPr>
+              <a:t>&lt;</a:t>
+            </a:r>
+            <a:r>
+              <a:rPr lang="de-DE" sz="1800" dirty="0" err="1">
+                <a:solidFill>
+                  <a:srgbClr val="FFC000"/>
+                </a:solidFill>
+              </a:rPr>
+              <a:t>BookSearch</a:t>
+            </a:r>
+            <a:r>
+              <a:rPr lang="de-DE" sz="1800" dirty="0">
+                <a:solidFill>
+                  <a:srgbClr val="FFC000"/>
+                </a:solidFill>
+              </a:rPr>
+              <a:t> /&gt;</a:t>
+            </a:r>
+          </a:p>
+          <a:p>
+            <a:r>
+              <a:rPr lang="de-DE" sz="1800" dirty="0">
+                <a:solidFill>
+                  <a:schemeClr val="bg1"/>
+                </a:solidFill>
+              </a:rPr>
+              <a:t>        </a:t>
+            </a:r>
+          </a:p>
+          <a:p>
+            <a:r>
+              <a:rPr lang="de-DE" sz="1800" dirty="0">
+                <a:solidFill>
+                  <a:schemeClr val="bg1"/>
+                </a:solidFill>
+              </a:rPr>
+              <a:t>       </a:t>
+            </a:r>
+            <a:r>
+              <a:rPr lang="de-DE" sz="1800" dirty="0">
+                <a:solidFill>
+                  <a:srgbClr val="FFFF00"/>
+                </a:solidFill>
+              </a:rPr>
+              <a:t>   {</a:t>
+            </a:r>
+            <a:r>
+              <a:rPr lang="de-DE" sz="1800" dirty="0" err="1">
+                <a:solidFill>
+                  <a:srgbClr val="FFFF00"/>
+                </a:solidFill>
+              </a:rPr>
+              <a:t>this.state.books.map</a:t>
+            </a:r>
+            <a:r>
+              <a:rPr lang="de-DE" sz="1800" dirty="0">
+                <a:solidFill>
+                  <a:srgbClr val="FFFF00"/>
+                </a:solidFill>
+              </a:rPr>
+              <a:t>(</a:t>
+            </a:r>
+            <a:r>
+              <a:rPr lang="de-DE" sz="1800" dirty="0" err="1">
+                <a:solidFill>
+                  <a:srgbClr val="FFFF00"/>
+                </a:solidFill>
+              </a:rPr>
+              <a:t>book</a:t>
+            </a:r>
+            <a:r>
+              <a:rPr lang="de-DE" sz="1800" dirty="0">
+                <a:solidFill>
+                  <a:srgbClr val="FFFF00"/>
+                </a:solidFill>
+              </a:rPr>
+              <a:t> </a:t>
+            </a:r>
+            <a:r>
+              <a:rPr lang="de-DE" sz="1800" dirty="0">
+                <a:solidFill>
+                  <a:srgbClr val="FF0000"/>
+                </a:solidFill>
+              </a:rPr>
+              <a:t>=&gt;</a:t>
+            </a:r>
+            <a:r>
+              <a:rPr lang="de-DE" sz="1800" dirty="0">
+                <a:solidFill>
+                  <a:srgbClr val="FFFF00"/>
+                </a:solidFill>
+              </a:rPr>
+              <a:t> (</a:t>
+            </a:r>
+          </a:p>
+          <a:p>
+            <a:r>
+              <a:rPr lang="de-DE" sz="1800" dirty="0">
+                <a:solidFill>
+                  <a:srgbClr val="FFFF00"/>
+                </a:solidFill>
+              </a:rPr>
+              <a:t>                &lt;h4&gt;{</a:t>
+            </a:r>
+            <a:r>
+              <a:rPr lang="de-DE" sz="1800" dirty="0" err="1">
+                <a:solidFill>
+                  <a:srgbClr val="FFFF00"/>
+                </a:solidFill>
+              </a:rPr>
+              <a:t>book</a:t>
+            </a:r>
+            <a:r>
+              <a:rPr lang="de-DE" sz="1800" dirty="0">
+                <a:solidFill>
+                  <a:srgbClr val="FFFF00"/>
+                </a:solidFill>
+              </a:rPr>
+              <a:t>}&lt;/h4&gt;</a:t>
+            </a:r>
+          </a:p>
+          <a:p>
+            <a:r>
+              <a:rPr lang="de-DE" sz="1800" dirty="0">
+                <a:solidFill>
+                  <a:srgbClr val="FFFF00"/>
+                </a:solidFill>
+              </a:rPr>
+              <a:t>          ))}</a:t>
+            </a:r>
+          </a:p>
+          <a:p>
+            <a:r>
+              <a:rPr lang="de-DE" sz="1800" dirty="0">
+                <a:solidFill>
+                  <a:schemeClr val="bg1"/>
+                </a:solidFill>
+              </a:rPr>
+              <a:t>       &lt;/div&gt;</a:t>
+            </a:r>
+          </a:p>
+          <a:p>
+            <a:r>
+              <a:rPr lang="de-DE" sz="1800" dirty="0">
+                <a:solidFill>
+                  <a:schemeClr val="bg1"/>
+                </a:solidFill>
+              </a:rPr>
+              <a:t>    );</a:t>
+            </a:r>
+          </a:p>
+          <a:p>
+            <a:r>
+              <a:rPr lang="de-DE" sz="1800" dirty="0">
+                <a:solidFill>
+                  <a:schemeClr val="bg1"/>
+                </a:solidFill>
+              </a:rPr>
+              <a:t>  }</a:t>
+            </a:r>
+          </a:p>
+          <a:p>
+            <a:r>
+              <a:rPr lang="de-DE" sz="1800" dirty="0">
+                <a:solidFill>
+                  <a:schemeClr val="bg1"/>
+                </a:solidFill>
+              </a:rPr>
+              <a:t>}</a:t>
+            </a:r>
+          </a:p>
+        </p:txBody>
+      </p:sp>
+    </p:spTree>
+  </p:cSld>
+  <p:clrMapOvr>
+    <a:masterClrMapping/>
+  </p:clrMapOvr>
+  <p:timing>
+    <p:tnLst>
+      <p:par>
+        <p:cTn id="1" dur="indefinite" restart="never" nodeType="tmRoot"/>
+      </p:par>
+    </p:tnLst>
+  </p:timing>
+</p:sld>
+</file>
+
+<file path=ppt/slides/slide17.xml><?xml version="1.0" encoding="utf-8"?>
+<p:sld xmlns:a="http://schemas.openxmlformats.org/drawingml/2006/main" xmlns:r="http://schemas.openxmlformats.org/officeDocument/2006/relationships" xmlns:p="http://schemas.openxmlformats.org/presentationml/2006/main">
+  <p:cSld>
+    <p:spTree>
+      <p:nvGrpSpPr>
+        <p:cNvPr id="1" name="Shape 99"/>
+        <p:cNvGrpSpPr/>
+        <p:nvPr/>
+      </p:nvGrpSpPr>
+      <p:grpSpPr>
+        <a:xfrm>
+          <a:off x="0" y="0"/>
+          <a:ext cx="0" cy="0"/>
+          <a:chOff x="0" y="0"/>
+          <a:chExt cx="0" cy="0"/>
+        </a:xfrm>
+      </p:grpSpPr>
+      <p:sp>
+        <p:nvSpPr>
+          <p:cNvPr id="100" name="Shape 100"/>
+          <p:cNvSpPr txBox="1">
+            <a:spLocks noGrp="1"/>
+          </p:cNvSpPr>
+          <p:nvPr>
+            <p:ph type="title"/>
+          </p:nvPr>
+        </p:nvSpPr>
+        <p:spPr>
+          <a:xfrm>
             <a:off x="952500" y="208743"/>
             <a:ext cx="11099700" cy="2159100"/>
           </a:xfrm>
@@ -15018,150 +15172,6 @@
     <p:extLst>
       <p:ext uri="{BB962C8B-B14F-4D97-AF65-F5344CB8AC3E}">
         <p14:creationId xmlns:p14="http://schemas.microsoft.com/office/powerpoint/2010/main" val="780440253"/>
-      </p:ext>
-    </p:extLst>
-  </p:cSld>
-  <p:clrMapOvr>
-    <a:masterClrMapping/>
-  </p:clrMapOvr>
-  <p:timing>
-    <p:tnLst>
-      <p:par>
-        <p:cTn id="1" dur="indefinite" restart="never" nodeType="tmRoot"/>
-      </p:par>
-    </p:tnLst>
-  </p:timing>
-</p:sld>
-</file>
-
-<file path=ppt/slides/slide17.xml><?xml version="1.0" encoding="utf-8"?>
-<p:sld xmlns:a="http://schemas.openxmlformats.org/drawingml/2006/main" xmlns:r="http://schemas.openxmlformats.org/officeDocument/2006/relationships" xmlns:p="http://schemas.openxmlformats.org/presentationml/2006/main">
-  <p:cSld>
-    <p:spTree>
-      <p:nvGrpSpPr>
-        <p:cNvPr id="1" name=""/>
-        <p:cNvGrpSpPr/>
-        <p:nvPr/>
-      </p:nvGrpSpPr>
-      <p:grpSpPr>
-        <a:xfrm>
-          <a:off x="0" y="0"/>
-          <a:ext cx="0" cy="0"/>
-          <a:chOff x="0" y="0"/>
-          <a:chExt cx="0" cy="0"/>
-        </a:xfrm>
-      </p:grpSpPr>
-      <p:sp>
-        <p:nvSpPr>
-          <p:cNvPr id="2" name="Title 1"/>
-          <p:cNvSpPr>
-            <a:spLocks noGrp="1"/>
-          </p:cNvSpPr>
-          <p:nvPr>
-            <p:ph type="title"/>
-          </p:nvPr>
-        </p:nvSpPr>
-        <p:spPr/>
-        <p:txBody>
-          <a:bodyPr/>
-          <a:lstStyle/>
-          <a:p>
-            <a:r>
-              <a:rPr lang="en-US" dirty="0" smtClean="0"/>
-              <a:t>Template literals</a:t>
-            </a:r>
-            <a:endParaRPr lang="en-US" dirty="0"/>
-          </a:p>
-        </p:txBody>
-      </p:sp>
-      <p:sp>
-        <p:nvSpPr>
-          <p:cNvPr id="3" name="Text Placeholder 2"/>
-          <p:cNvSpPr>
-            <a:spLocks noGrp="1"/>
-          </p:cNvSpPr>
-          <p:nvPr>
-            <p:ph type="body" idx="1"/>
-          </p:nvPr>
-        </p:nvSpPr>
-        <p:spPr/>
-        <p:txBody>
-          <a:bodyPr/>
-          <a:lstStyle/>
-          <a:p>
-            <a:r>
-              <a:rPr lang="en-US" dirty="0" err="1" smtClean="0"/>
-              <a:t>var</a:t>
-            </a:r>
-            <a:r>
-              <a:rPr lang="en-US" dirty="0" smtClean="0"/>
-              <a:t> </a:t>
-            </a:r>
-            <a:r>
-              <a:rPr lang="en-US" dirty="0" err="1"/>
-              <a:t>url</a:t>
-            </a:r>
-            <a:r>
-              <a:rPr lang="en-US" dirty="0"/>
-              <a:t> = 'http://localhost:3000/</a:t>
-            </a:r>
-            <a:r>
-              <a:rPr lang="en-US" dirty="0" err="1"/>
-              <a:t>api</a:t>
-            </a:r>
-            <a:r>
-              <a:rPr lang="en-US" dirty="0"/>
-              <a:t>/messages/' + </a:t>
-            </a:r>
-            <a:r>
-              <a:rPr lang="en-US" dirty="0" smtClean="0"/>
-              <a:t>id</a:t>
-            </a:r>
-          </a:p>
-          <a:p>
-            <a:r>
-              <a:rPr lang="en-US" dirty="0" err="1"/>
-              <a:t>var</a:t>
-            </a:r>
-            <a:r>
-              <a:rPr lang="en-US" dirty="0"/>
-              <a:t> </a:t>
-            </a:r>
-            <a:r>
-              <a:rPr lang="en-US" dirty="0" err="1"/>
-              <a:t>url</a:t>
-            </a:r>
-            <a:r>
-              <a:rPr lang="en-US" dirty="0"/>
-              <a:t> = `http://localhost:3000/</a:t>
-            </a:r>
-            <a:r>
-              <a:rPr lang="en-US" dirty="0" err="1"/>
-              <a:t>api</a:t>
-            </a:r>
-            <a:r>
-              <a:rPr lang="en-US" dirty="0"/>
-              <a:t>/messages/</a:t>
-            </a:r>
-            <a:r>
-              <a:rPr lang="en-US" dirty="0">
-                <a:solidFill>
-                  <a:srgbClr val="FF0000"/>
-                </a:solidFill>
-              </a:rPr>
-              <a:t>${id}</a:t>
-            </a:r>
-            <a:r>
-              <a:rPr lang="en-US" dirty="0"/>
-              <a:t>`</a:t>
-            </a:r>
-          </a:p>
-        </p:txBody>
-      </p:sp>
-    </p:spTree>
-    <p:extLst>
-      <p:ext uri="{BB962C8B-B14F-4D97-AF65-F5344CB8AC3E}">
-        <p14:creationId xmlns:p14="http://schemas.microsoft.com/office/powerpoint/2010/main" val="103909867"/>
       </p:ext>
     </p:extLst>
   </p:cSld>
@@ -15211,18 +15221,10 @@
           <a:lstStyle/>
           <a:p>
             <a:r>
-              <a:rPr lang="nl-NL" b="1" dirty="0" err="1" smtClean="0">
-                <a:solidFill>
-                  <a:schemeClr val="bg1"/>
-                </a:solidFill>
-              </a:rPr>
-              <a:t>BooksComponent</a:t>
-            </a:r>
-            <a:endParaRPr lang="en-US" dirty="0">
-              <a:solidFill>
-                <a:schemeClr val="bg1"/>
-              </a:solidFill>
-            </a:endParaRPr>
+              <a:rPr lang="en-US" dirty="0" smtClean="0"/>
+              <a:t>Template literals</a:t>
+            </a:r>
+            <a:endParaRPr lang="en-US" dirty="0"/>
           </a:p>
         </p:txBody>
       </p:sp>
@@ -15241,44 +15243,79 @@
           <a:bodyPr/>
           <a:lstStyle/>
           <a:p>
-            <a:endParaRPr lang="en-US"/>
+            <a:r>
+              <a:rPr lang="en-US" dirty="0" err="1" smtClean="0"/>
+              <a:t>var</a:t>
+            </a:r>
+            <a:r>
+              <a:rPr lang="en-US" dirty="0" smtClean="0"/>
+              <a:t> </a:t>
+            </a:r>
+            <a:r>
+              <a:rPr lang="en-US" dirty="0" err="1"/>
+              <a:t>url</a:t>
+            </a:r>
+            <a:r>
+              <a:rPr lang="en-US" dirty="0"/>
+              <a:t> = 'http://localhost:3000/</a:t>
+            </a:r>
+            <a:r>
+              <a:rPr lang="en-US" dirty="0" err="1"/>
+              <a:t>api</a:t>
+            </a:r>
+            <a:r>
+              <a:rPr lang="en-US" dirty="0"/>
+              <a:t>/messages/' + </a:t>
+            </a:r>
+            <a:r>
+              <a:rPr lang="en-US" dirty="0" smtClean="0"/>
+              <a:t>id</a:t>
+            </a:r>
+          </a:p>
+          <a:p>
+            <a:r>
+              <a:rPr lang="en-US" dirty="0" err="1"/>
+              <a:t>var</a:t>
+            </a:r>
+            <a:r>
+              <a:rPr lang="en-US" dirty="0"/>
+              <a:t> </a:t>
+            </a:r>
+            <a:r>
+              <a:rPr lang="en-US" dirty="0" err="1"/>
+              <a:t>url</a:t>
+            </a:r>
+            <a:r>
+              <a:rPr lang="en-US" dirty="0"/>
+              <a:t> = `http://localhost:3000/</a:t>
+            </a:r>
+            <a:r>
+              <a:rPr lang="en-US" dirty="0" err="1"/>
+              <a:t>api</a:t>
+            </a:r>
+            <a:r>
+              <a:rPr lang="en-US" dirty="0"/>
+              <a:t>/messages/</a:t>
+            </a:r>
+            <a:r>
+              <a:rPr lang="en-US" dirty="0">
+                <a:solidFill>
+                  <a:srgbClr val="FF0000"/>
+                </a:solidFill>
+              </a:rPr>
+              <a:t>${id}</a:t>
+            </a:r>
+            <a:r>
+              <a:rPr lang="en-US" dirty="0"/>
+              <a:t>`</a:t>
+            </a:r>
           </a:p>
         </p:txBody>
       </p:sp>
-      <p:pic>
-        <p:nvPicPr>
-          <p:cNvPr id="4" name="Picture 3"/>
-          <p:cNvPicPr>
-            <a:picLocks noChangeAspect="1"/>
-          </p:cNvPicPr>
-          <p:nvPr/>
-        </p:nvPicPr>
-        <p:blipFill>
-          <a:blip r:embed="rId2">
-            <a:extLst>
-              <a:ext uri="{28A0092B-C50C-407E-A947-70E740481C1C}">
-                <a14:useLocalDpi xmlns:a14="http://schemas.microsoft.com/office/drawing/2010/main" val="0"/>
-              </a:ext>
-            </a:extLst>
-          </a:blip>
-          <a:stretch>
-            <a:fillRect/>
-          </a:stretch>
-        </p:blipFill>
-        <p:spPr>
-          <a:xfrm>
-            <a:off x="952500" y="2590800"/>
-            <a:ext cx="11099799" cy="6685935"/>
-          </a:xfrm>
-          <a:prstGeom prst="rect">
-            <a:avLst/>
-          </a:prstGeom>
-        </p:spPr>
-      </p:pic>
     </p:spTree>
     <p:extLst>
       <p:ext uri="{BB962C8B-B14F-4D97-AF65-F5344CB8AC3E}">
-        <p14:creationId xmlns:p14="http://schemas.microsoft.com/office/powerpoint/2010/main" val="874769690"/>
+        <p14:creationId xmlns:p14="http://schemas.microsoft.com/office/powerpoint/2010/main" val="103909867"/>
       </p:ext>
     </p:extLst>
   </p:cSld>
@@ -15322,12 +15359,7 @@
             <p:ph type="title"/>
           </p:nvPr>
         </p:nvSpPr>
-        <p:spPr>
-          <a:xfrm>
-            <a:off x="952500" y="254000"/>
-            <a:ext cx="11524635" cy="2158999"/>
-          </a:xfrm>
-        </p:spPr>
+        <p:spPr/>
         <p:txBody>
           <a:bodyPr/>
           <a:lstStyle/>
@@ -15338,7 +15370,7 @@
                   <a:schemeClr val="bg1"/>
                 </a:solidFill>
               </a:rPr>
-              <a:t>BookDetailComponent</a:t>
+              <a:t>BooksComponent</a:t>
             </a:r>
             <a:endParaRPr lang="en-US" dirty="0">
               <a:solidFill>
@@ -15389,8 +15421,8 @@
         </p:blipFill>
         <p:spPr>
           <a:xfrm>
-            <a:off x="952500" y="2590799"/>
-            <a:ext cx="11099799" cy="6626943"/>
+            <a:off x="952500" y="2590800"/>
+            <a:ext cx="11099799" cy="6685935"/>
           </a:xfrm>
           <a:prstGeom prst="rect">
             <a:avLst/>
@@ -15400,7 +15432,7 @@
     </p:spTree>
     <p:extLst>
       <p:ext uri="{BB962C8B-B14F-4D97-AF65-F5344CB8AC3E}">
-        <p14:creationId xmlns:p14="http://schemas.microsoft.com/office/powerpoint/2010/main" val="985478819"/>
+        <p14:creationId xmlns:p14="http://schemas.microsoft.com/office/powerpoint/2010/main" val="874769690"/>
       </p:ext>
     </p:extLst>
   </p:cSld>
@@ -15747,6 +15779,128 @@
         </p:nvSpPr>
         <p:spPr>
           <a:xfrm>
+            <a:off x="952500" y="254000"/>
+            <a:ext cx="11524635" cy="2158999"/>
+          </a:xfrm>
+        </p:spPr>
+        <p:txBody>
+          <a:bodyPr/>
+          <a:lstStyle/>
+          <a:p>
+            <a:r>
+              <a:rPr lang="nl-NL" b="1" dirty="0" err="1" smtClean="0">
+                <a:solidFill>
+                  <a:schemeClr val="bg1"/>
+                </a:solidFill>
+              </a:rPr>
+              <a:t>BookDetailComponent</a:t>
+            </a:r>
+            <a:endParaRPr lang="en-US" dirty="0">
+              <a:solidFill>
+                <a:schemeClr val="bg1"/>
+              </a:solidFill>
+            </a:endParaRPr>
+          </a:p>
+        </p:txBody>
+      </p:sp>
+      <p:sp>
+        <p:nvSpPr>
+          <p:cNvPr id="3" name="Text Placeholder 2"/>
+          <p:cNvSpPr>
+            <a:spLocks noGrp="1"/>
+          </p:cNvSpPr>
+          <p:nvPr>
+            <p:ph type="body" idx="1"/>
+          </p:nvPr>
+        </p:nvSpPr>
+        <p:spPr/>
+        <p:txBody>
+          <a:bodyPr/>
+          <a:lstStyle/>
+          <a:p>
+            <a:endParaRPr lang="en-US"/>
+          </a:p>
+        </p:txBody>
+      </p:sp>
+      <p:pic>
+        <p:nvPicPr>
+          <p:cNvPr id="4" name="Picture 3"/>
+          <p:cNvPicPr>
+            <a:picLocks noChangeAspect="1"/>
+          </p:cNvPicPr>
+          <p:nvPr/>
+        </p:nvPicPr>
+        <p:blipFill>
+          <a:blip r:embed="rId2">
+            <a:extLst>
+              <a:ext uri="{28A0092B-C50C-407E-A947-70E740481C1C}">
+                <a14:useLocalDpi xmlns:a14="http://schemas.microsoft.com/office/drawing/2010/main" val="0"/>
+              </a:ext>
+            </a:extLst>
+          </a:blip>
+          <a:stretch>
+            <a:fillRect/>
+          </a:stretch>
+        </p:blipFill>
+        <p:spPr>
+          <a:xfrm>
+            <a:off x="952500" y="2590799"/>
+            <a:ext cx="11099799" cy="6626943"/>
+          </a:xfrm>
+          <a:prstGeom prst="rect">
+            <a:avLst/>
+          </a:prstGeom>
+        </p:spPr>
+      </p:pic>
+    </p:spTree>
+    <p:extLst>
+      <p:ext uri="{BB962C8B-B14F-4D97-AF65-F5344CB8AC3E}">
+        <p14:creationId xmlns:p14="http://schemas.microsoft.com/office/powerpoint/2010/main" val="985478819"/>
+      </p:ext>
+    </p:extLst>
+  </p:cSld>
+  <p:clrMapOvr>
+    <a:masterClrMapping/>
+  </p:clrMapOvr>
+  <p:timing>
+    <p:tnLst>
+      <p:par>
+        <p:cTn id="1" dur="indefinite" restart="never" nodeType="tmRoot"/>
+      </p:par>
+    </p:tnLst>
+  </p:timing>
+</p:sld>
+</file>
+
+<file path=ppt/slides/slide21.xml><?xml version="1.0" encoding="utf-8"?>
+<p:sld xmlns:a="http://schemas.openxmlformats.org/drawingml/2006/main" xmlns:r="http://schemas.openxmlformats.org/officeDocument/2006/relationships" xmlns:p="http://schemas.openxmlformats.org/presentationml/2006/main">
+  <p:cSld>
+    <p:spTree>
+      <p:nvGrpSpPr>
+        <p:cNvPr id="1" name=""/>
+        <p:cNvGrpSpPr/>
+        <p:nvPr/>
+      </p:nvGrpSpPr>
+      <p:grpSpPr>
+        <a:xfrm>
+          <a:off x="0" y="0"/>
+          <a:ext cx="0" cy="0"/>
+          <a:chOff x="0" y="0"/>
+          <a:chExt cx="0" cy="0"/>
+        </a:xfrm>
+      </p:grpSpPr>
+      <p:sp>
+        <p:nvSpPr>
+          <p:cNvPr id="2" name="Title 1"/>
+          <p:cNvSpPr>
+            <a:spLocks noGrp="1"/>
+          </p:cNvSpPr>
+          <p:nvPr>
+            <p:ph type="title"/>
+          </p:nvPr>
+        </p:nvSpPr>
+        <p:spPr>
+          <a:xfrm>
             <a:off x="669472" y="254000"/>
             <a:ext cx="11382828" cy="2158999"/>
           </a:xfrm>
@@ -16052,7 +16206,7 @@
 </p:sld>
 </file>
 
-<file path=ppt/slides/slide21.xml><?xml version="1.0" encoding="utf-8"?>
+<file path=ppt/slides/slide22.xml><?xml version="1.0" encoding="utf-8"?>
 <p:sld xmlns:a="http://schemas.openxmlformats.org/drawingml/2006/main" xmlns:r="http://schemas.openxmlformats.org/officeDocument/2006/relationships" xmlns:p="http://schemas.openxmlformats.org/presentationml/2006/main">
   <p:cSld>
     <p:spTree>
@@ -16181,7 +16335,7 @@
 </p:sld>
 </file>
 
-<file path=ppt/slides/slide22.xml><?xml version="1.0" encoding="utf-8"?>
+<file path=ppt/slides/slide23.xml><?xml version="1.0" encoding="utf-8"?>
 <p:sld xmlns:a="http://schemas.openxmlformats.org/drawingml/2006/main" xmlns:r="http://schemas.openxmlformats.org/officeDocument/2006/relationships" xmlns:p="http://schemas.openxmlformats.org/presentationml/2006/main">
   <p:cSld>
     <p:spTree>
@@ -16333,7 +16487,7 @@
 </p:sld>
 </file>
 
-<file path=ppt/slides/slide23.xml><?xml version="1.0" encoding="utf-8"?>
+<file path=ppt/slides/slide24.xml><?xml version="1.0" encoding="utf-8"?>
 <p:sld xmlns:a="http://schemas.openxmlformats.org/drawingml/2006/main" xmlns:r="http://schemas.openxmlformats.org/officeDocument/2006/relationships" xmlns:p="http://schemas.openxmlformats.org/presentationml/2006/main">
   <p:cSld>
     <p:spTree>
@@ -16496,7 +16650,7 @@
 </p:sld>
 </file>
 
-<file path=ppt/slides/slide24.xml><?xml version="1.0" encoding="utf-8"?>
+<file path=ppt/slides/slide25.xml><?xml version="1.0" encoding="utf-8"?>
 <p:sld xmlns:a="http://schemas.openxmlformats.org/drawingml/2006/main" xmlns:r="http://schemas.openxmlformats.org/officeDocument/2006/relationships" xmlns:p="http://schemas.openxmlformats.org/presentationml/2006/main">
   <p:cSld>
     <p:spTree>
@@ -16615,7 +16769,7 @@
 </p:sld>
 </file>
 
-<file path=ppt/slides/slide25.xml><?xml version="1.0" encoding="utf-8"?>
+<file path=ppt/slides/slide26.xml><?xml version="1.0" encoding="utf-8"?>
 <p:sld xmlns:a="http://schemas.openxmlformats.org/drawingml/2006/main" xmlns:r="http://schemas.openxmlformats.org/officeDocument/2006/relationships" xmlns:p="http://schemas.openxmlformats.org/presentationml/2006/main">
   <p:cSld>
     <p:spTree>
@@ -17511,11 +17665,7 @@
             </a:r>
             <a:r>
               <a:rPr lang="en-US" sz="2000" dirty="0" smtClean="0"/>
-              <a:t>render</a:t>
-            </a:r>
-            <a:r>
-              <a:rPr lang="en-US" sz="2000" dirty="0" smtClean="0"/>
-              <a:t>( ) </a:t>
+              <a:t>render( ) </a:t>
             </a:r>
             <a:r>
               <a:rPr lang="en-US" sz="2000" dirty="0"/>
@@ -17653,15 +17803,7 @@
             </a:pPr>
             <a:r>
               <a:rPr lang="en-US" sz="2000" dirty="0" smtClean="0"/>
-              <a:t>	render</a:t>
-            </a:r>
-            <a:r>
-              <a:rPr lang="en-US" sz="2000" dirty="0" smtClean="0"/>
-              <a:t>( ) </a:t>
-            </a:r>
-            <a:r>
-              <a:rPr lang="en-US" sz="2000" dirty="0" smtClean="0"/>
-              <a:t>{</a:t>
+              <a:t>	render( ) {</a:t>
             </a:r>
             <a:r>
               <a:rPr lang="en-US" sz="2000" dirty="0"/>

--- a/React.pptx
+++ b/React.pptx
@@ -12405,22 +12405,44 @@
               <a:t>console.log</a:t>
             </a:r>
             <a:r>
-              <a:rPr lang="nl-NL" sz="4000">
+              <a:rPr lang="nl-NL" sz="4000" dirty="0">
                 <a:sym typeface="Wingdings"/>
               </a:rPr>
               <a:t>(x</a:t>
             </a:r>
             <a:r>
-              <a:rPr lang="nl-NL" sz="4000" smtClean="0">
+              <a:rPr lang="nl-NL" sz="4000" dirty="0" smtClean="0">
                 <a:sym typeface="Wingdings"/>
               </a:rPr>
               <a:t>)</a:t>
             </a:r>
             <a:r>
-              <a:rPr lang="nl-NL" sz="4000" smtClean="0"/>
-              <a:t>)</a:t>
-            </a:r>
-            <a:endParaRPr lang="nl-NL" sz="4000" dirty="0"/>
+              <a:rPr lang="nl-NL" sz="4000" dirty="0" smtClean="0"/>
+              <a:t>) </a:t>
+            </a:r>
+            <a:r>
+              <a:rPr lang="nl-NL" sz="4000" i="1" dirty="0" smtClean="0">
+                <a:solidFill>
+                  <a:srgbClr val="FF0000"/>
+                </a:solidFill>
+                <a:sym typeface="Wingdings"/>
+              </a:rPr>
+              <a:t> </a:t>
+            </a:r>
+            <a:r>
+              <a:rPr lang="nl-NL" sz="4000" i="1" dirty="0" err="1" smtClean="0">
+                <a:solidFill>
+                  <a:srgbClr val="FF0000"/>
+                </a:solidFill>
+                <a:sym typeface="Wingdings"/>
+              </a:rPr>
+              <a:t>onsucces</a:t>
+            </a:r>
+            <a:endParaRPr lang="nl-NL" sz="4000" i="1" dirty="0">
+              <a:solidFill>
+                <a:srgbClr val="FF0000"/>
+              </a:solidFill>
+            </a:endParaRPr>
           </a:p>
           <a:p>
             <a:pPr marL="180975" indent="0" algn="ctr">
@@ -12440,8 +12462,35 @@
             </a:r>
             <a:r>
               <a:rPr lang="nl-NL" sz="4000" dirty="0"/>
-              <a:t>(error))</a:t>
-            </a:r>
+              <a:t>(error</a:t>
+            </a:r>
+            <a:r>
+              <a:rPr lang="nl-NL" sz="4000" dirty="0" smtClean="0"/>
+              <a:t>)) </a:t>
+            </a:r>
+            <a:r>
+              <a:rPr lang="nl-NL" sz="4000" i="1" dirty="0" smtClean="0">
+                <a:solidFill>
+                  <a:srgbClr val="FF0000"/>
+                </a:solidFill>
+                <a:sym typeface="Wingdings"/>
+              </a:rPr>
+              <a:t> </a:t>
+            </a:r>
+            <a:r>
+              <a:rPr lang="nl-NL" sz="4000" i="1" dirty="0" err="1" smtClean="0">
+                <a:solidFill>
+                  <a:srgbClr val="FF0000"/>
+                </a:solidFill>
+                <a:sym typeface="Wingdings"/>
+              </a:rPr>
+              <a:t>onerror</a:t>
+            </a:r>
+            <a:endParaRPr lang="nl-NL" sz="4000" i="1" dirty="0">
+              <a:solidFill>
+                <a:srgbClr val="FF0000"/>
+              </a:solidFill>
+            </a:endParaRPr>
           </a:p>
           <a:p>
             <a:endParaRPr lang="en-US" dirty="0"/>
